--- a/Presentation.pptx
+++ b/Presentation.pptx
@@ -5,25 +5,31 @@
     <p:sldMasterId id="2147483648" r:id="rId4"/>
   </p:sldMasterIdLst>
   <p:notesMasterIdLst>
-    <p:notesMasterId r:id="rId18"/>
+    <p:notesMasterId r:id="rId24"/>
   </p:notesMasterIdLst>
   <p:handoutMasterIdLst>
-    <p:handoutMasterId r:id="rId19"/>
+    <p:handoutMasterId r:id="rId25"/>
   </p:handoutMasterIdLst>
   <p:sldIdLst>
     <p:sldId id="342" r:id="rId5"/>
     <p:sldId id="382" r:id="rId6"/>
     <p:sldId id="375" r:id="rId7"/>
-    <p:sldId id="374" r:id="rId8"/>
-    <p:sldId id="373" r:id="rId9"/>
-    <p:sldId id="365" r:id="rId10"/>
-    <p:sldId id="376" r:id="rId11"/>
-    <p:sldId id="377" r:id="rId12"/>
-    <p:sldId id="378" r:id="rId13"/>
-    <p:sldId id="379" r:id="rId14"/>
-    <p:sldId id="380" r:id="rId15"/>
-    <p:sldId id="381" r:id="rId16"/>
-    <p:sldId id="372" r:id="rId17"/>
+    <p:sldId id="376" r:id="rId8"/>
+    <p:sldId id="383" r:id="rId9"/>
+    <p:sldId id="385" r:id="rId10"/>
+    <p:sldId id="387" r:id="rId11"/>
+    <p:sldId id="386" r:id="rId12"/>
+    <p:sldId id="377" r:id="rId13"/>
+    <p:sldId id="380" r:id="rId14"/>
+    <p:sldId id="384" r:id="rId15"/>
+    <p:sldId id="373" r:id="rId16"/>
+    <p:sldId id="365" r:id="rId17"/>
+    <p:sldId id="388" r:id="rId18"/>
+    <p:sldId id="378" r:id="rId19"/>
+    <p:sldId id="379" r:id="rId20"/>
+    <p:sldId id="374" r:id="rId21"/>
+    <p:sldId id="381" r:id="rId22"/>
+    <p:sldId id="372" r:id="rId23"/>
   </p:sldIdLst>
   <p:sldSz cx="12192000" cy="6858000"/>
   <p:notesSz cx="6858000" cy="9144000"/>
@@ -846,7 +852,7 @@
     </p:spTree>
     <p:extLst>
       <p:ext uri="{BB962C8B-B14F-4D97-AF65-F5344CB8AC3E}">
-        <p14:creationId xmlns:p14="http://schemas.microsoft.com/office/powerpoint/2010/main" val="178419945"/>
+        <p14:creationId xmlns:p14="http://schemas.microsoft.com/office/powerpoint/2010/main" val="839213642"/>
       </p:ext>
     </p:extLst>
   </p:cSld>
@@ -930,7 +936,7 @@
     </p:spTree>
     <p:extLst>
       <p:ext uri="{BB962C8B-B14F-4D97-AF65-F5344CB8AC3E}">
-        <p14:creationId xmlns:p14="http://schemas.microsoft.com/office/powerpoint/2010/main" val="839213642"/>
+        <p14:creationId xmlns:p14="http://schemas.microsoft.com/office/powerpoint/2010/main" val="3528180239"/>
       </p:ext>
     </p:extLst>
   </p:cSld>
@@ -1014,7 +1020,7 @@
     </p:spTree>
     <p:extLst>
       <p:ext uri="{BB962C8B-B14F-4D97-AF65-F5344CB8AC3E}">
-        <p14:creationId xmlns:p14="http://schemas.microsoft.com/office/powerpoint/2010/main" val="661510092"/>
+        <p14:creationId xmlns:p14="http://schemas.microsoft.com/office/powerpoint/2010/main" val="1860164103"/>
       </p:ext>
     </p:extLst>
   </p:cSld>
@@ -1087,9 +1093,573 @@
           <a:bodyPr/>
           <a:lstStyle/>
           <a:p>
+            <a:pPr marL="0" marR="0" lvl="0" indent="0" algn="r" defTabSz="914400" rtl="0" eaLnBrk="1" fontAlgn="auto" latinLnBrk="0" hangingPunct="1">
+              <a:lnSpc>
+                <a:spcPct val="100000"/>
+              </a:lnSpc>
+              <a:spcBef>
+                <a:spcPts val="0"/>
+              </a:spcBef>
+              <a:spcAft>
+                <a:spcPts val="0"/>
+              </a:spcAft>
+              <a:buClrTx/>
+              <a:buSzTx/>
+              <a:buFontTx/>
+              <a:buNone/>
+              <a:tabLst/>
+              <a:defRPr/>
+            </a:pPr>
+            <a:fld id="{DEF75CB5-5666-5049-9AE0-38EFD385C21E}" type="slidenum">
+              <a:rPr kumimoji="0" lang="en-US" sz="1200" b="0" i="0" u="none" strike="noStrike" kern="1200" cap="none" spc="0" normalizeH="0" baseline="0" noProof="0" smtClean="0">
+                <a:ln>
+                  <a:noFill/>
+                </a:ln>
+                <a:solidFill>
+                  <a:prstClr val="black"/>
+                </a:solidFill>
+                <a:effectLst/>
+                <a:uLnTx/>
+                <a:uFillTx/>
+                <a:latin typeface="Calibri" panose="020F0502020204030204"/>
+                <a:ea typeface="+mn-ea"/>
+                <a:cs typeface="+mn-cs"/>
+              </a:rPr>
+              <a:pPr marL="0" marR="0" lvl="0" indent="0" algn="r" defTabSz="914400" rtl="0" eaLnBrk="1" fontAlgn="auto" latinLnBrk="0" hangingPunct="1">
+                <a:lnSpc>
+                  <a:spcPct val="100000"/>
+                </a:lnSpc>
+                <a:spcBef>
+                  <a:spcPts val="0"/>
+                </a:spcBef>
+                <a:spcAft>
+                  <a:spcPts val="0"/>
+                </a:spcAft>
+                <a:buClrTx/>
+                <a:buSzTx/>
+                <a:buFontTx/>
+                <a:buNone/>
+                <a:tabLst/>
+                <a:defRPr/>
+              </a:pPr>
+              <a:t>13</a:t>
+            </a:fld>
+            <a:endParaRPr kumimoji="0" lang="en-US" sz="1200" b="0" i="0" u="none" strike="noStrike" kern="1200" cap="none" spc="0" normalizeH="0" baseline="0" noProof="0" dirty="0">
+              <a:ln>
+                <a:noFill/>
+              </a:ln>
+              <a:solidFill>
+                <a:prstClr val="black"/>
+              </a:solidFill>
+              <a:effectLst/>
+              <a:uLnTx/>
+              <a:uFillTx/>
+              <a:latin typeface="Calibri" panose="020F0502020204030204"/>
+              <a:ea typeface="+mn-ea"/>
+              <a:cs typeface="+mn-cs"/>
+            </a:endParaRPr>
+          </a:p>
+        </p:txBody>
+      </p:sp>
+    </p:spTree>
+    <p:extLst>
+      <p:ext uri="{BB962C8B-B14F-4D97-AF65-F5344CB8AC3E}">
+        <p14:creationId xmlns:p14="http://schemas.microsoft.com/office/powerpoint/2010/main" val="2745012378"/>
+      </p:ext>
+    </p:extLst>
+  </p:cSld>
+  <p:clrMapOvr>
+    <a:masterClrMapping/>
+  </p:clrMapOvr>
+</p:notes>
+</file>
+
+<file path=ppt/notesSlides/notesSlide14.xml><?xml version="1.0" encoding="utf-8"?>
+<p:notes xmlns:a="http://schemas.openxmlformats.org/drawingml/2006/main" xmlns:r="http://schemas.openxmlformats.org/officeDocument/2006/relationships" xmlns:p="http://schemas.openxmlformats.org/presentationml/2006/main">
+  <p:cSld>
+    <p:spTree>
+      <p:nvGrpSpPr>
+        <p:cNvPr id="1" name=""/>
+        <p:cNvGrpSpPr/>
+        <p:nvPr/>
+      </p:nvGrpSpPr>
+      <p:grpSpPr>
+        <a:xfrm>
+          <a:off x="0" y="0"/>
+          <a:ext cx="0" cy="0"/>
+          <a:chOff x="0" y="0"/>
+          <a:chExt cx="0" cy="0"/>
+        </a:xfrm>
+      </p:grpSpPr>
+      <p:sp>
+        <p:nvSpPr>
+          <p:cNvPr id="2" name="Slide Image Placeholder 1"/>
+          <p:cNvSpPr>
+            <a:spLocks noGrp="1" noRot="1" noChangeAspect="1"/>
+          </p:cNvSpPr>
+          <p:nvPr>
+            <p:ph type="sldImg"/>
+          </p:nvPr>
+        </p:nvSpPr>
+        <p:spPr/>
+      </p:sp>
+      <p:sp>
+        <p:nvSpPr>
+          <p:cNvPr id="3" name="Notes Placeholder 2"/>
+          <p:cNvSpPr>
+            <a:spLocks noGrp="1"/>
+          </p:cNvSpPr>
+          <p:nvPr>
+            <p:ph type="body" idx="1"/>
+          </p:nvPr>
+        </p:nvSpPr>
+        <p:spPr/>
+        <p:txBody>
+          <a:bodyPr/>
+          <a:lstStyle/>
+          <a:p>
+            <a:endParaRPr lang="en-US" dirty="0"/>
+          </a:p>
+        </p:txBody>
+      </p:sp>
+      <p:sp>
+        <p:nvSpPr>
+          <p:cNvPr id="4" name="Slide Number Placeholder 3"/>
+          <p:cNvSpPr>
+            <a:spLocks noGrp="1"/>
+          </p:cNvSpPr>
+          <p:nvPr>
+            <p:ph type="sldNum" sz="quarter" idx="5"/>
+          </p:nvPr>
+        </p:nvSpPr>
+        <p:spPr/>
+        <p:txBody>
+          <a:bodyPr/>
+          <a:lstStyle/>
+          <a:p>
             <a:fld id="{DEF75CB5-5666-5049-9AE0-38EFD385C21E}" type="slidenum">
               <a:rPr lang="en-US" smtClean="0"/>
-              <a:t>13</a:t>
+              <a:t>14</a:t>
+            </a:fld>
+            <a:endParaRPr lang="en-US" dirty="0"/>
+          </a:p>
+        </p:txBody>
+      </p:sp>
+    </p:spTree>
+    <p:extLst>
+      <p:ext uri="{BB962C8B-B14F-4D97-AF65-F5344CB8AC3E}">
+        <p14:creationId xmlns:p14="http://schemas.microsoft.com/office/powerpoint/2010/main" val="1033417788"/>
+      </p:ext>
+    </p:extLst>
+  </p:cSld>
+  <p:clrMapOvr>
+    <a:masterClrMapping/>
+  </p:clrMapOvr>
+</p:notes>
+</file>
+
+<file path=ppt/notesSlides/notesSlide15.xml><?xml version="1.0" encoding="utf-8"?>
+<p:notes xmlns:a="http://schemas.openxmlformats.org/drawingml/2006/main" xmlns:r="http://schemas.openxmlformats.org/officeDocument/2006/relationships" xmlns:p="http://schemas.openxmlformats.org/presentationml/2006/main">
+  <p:cSld>
+    <p:spTree>
+      <p:nvGrpSpPr>
+        <p:cNvPr id="1" name=""/>
+        <p:cNvGrpSpPr/>
+        <p:nvPr/>
+      </p:nvGrpSpPr>
+      <p:grpSpPr>
+        <a:xfrm>
+          <a:off x="0" y="0"/>
+          <a:ext cx="0" cy="0"/>
+          <a:chOff x="0" y="0"/>
+          <a:chExt cx="0" cy="0"/>
+        </a:xfrm>
+      </p:grpSpPr>
+      <p:sp>
+        <p:nvSpPr>
+          <p:cNvPr id="2" name="Slide Image Placeholder 1"/>
+          <p:cNvSpPr>
+            <a:spLocks noGrp="1" noRot="1" noChangeAspect="1"/>
+          </p:cNvSpPr>
+          <p:nvPr>
+            <p:ph type="sldImg"/>
+          </p:nvPr>
+        </p:nvSpPr>
+        <p:spPr/>
+      </p:sp>
+      <p:sp>
+        <p:nvSpPr>
+          <p:cNvPr id="3" name="Notes Placeholder 2"/>
+          <p:cNvSpPr>
+            <a:spLocks noGrp="1"/>
+          </p:cNvSpPr>
+          <p:nvPr>
+            <p:ph type="body" idx="1"/>
+          </p:nvPr>
+        </p:nvSpPr>
+        <p:spPr/>
+        <p:txBody>
+          <a:bodyPr/>
+          <a:lstStyle/>
+          <a:p>
+            <a:endParaRPr lang="en-US" dirty="0"/>
+          </a:p>
+        </p:txBody>
+      </p:sp>
+      <p:sp>
+        <p:nvSpPr>
+          <p:cNvPr id="4" name="Slide Number Placeholder 3"/>
+          <p:cNvSpPr>
+            <a:spLocks noGrp="1"/>
+          </p:cNvSpPr>
+          <p:nvPr>
+            <p:ph type="sldNum" sz="quarter" idx="5"/>
+          </p:nvPr>
+        </p:nvSpPr>
+        <p:spPr/>
+        <p:txBody>
+          <a:bodyPr/>
+          <a:lstStyle/>
+          <a:p>
+            <a:fld id="{DEF75CB5-5666-5049-9AE0-38EFD385C21E}" type="slidenum">
+              <a:rPr lang="en-US" smtClean="0"/>
+              <a:t>15</a:t>
+            </a:fld>
+            <a:endParaRPr lang="en-US" dirty="0"/>
+          </a:p>
+        </p:txBody>
+      </p:sp>
+    </p:spTree>
+    <p:extLst>
+      <p:ext uri="{BB962C8B-B14F-4D97-AF65-F5344CB8AC3E}">
+        <p14:creationId xmlns:p14="http://schemas.microsoft.com/office/powerpoint/2010/main" val="3765125580"/>
+      </p:ext>
+    </p:extLst>
+  </p:cSld>
+  <p:clrMapOvr>
+    <a:masterClrMapping/>
+  </p:clrMapOvr>
+</p:notes>
+</file>
+
+<file path=ppt/notesSlides/notesSlide16.xml><?xml version="1.0" encoding="utf-8"?>
+<p:notes xmlns:a="http://schemas.openxmlformats.org/drawingml/2006/main" xmlns:r="http://schemas.openxmlformats.org/officeDocument/2006/relationships" xmlns:p="http://schemas.openxmlformats.org/presentationml/2006/main">
+  <p:cSld>
+    <p:spTree>
+      <p:nvGrpSpPr>
+        <p:cNvPr id="1" name=""/>
+        <p:cNvGrpSpPr/>
+        <p:nvPr/>
+      </p:nvGrpSpPr>
+      <p:grpSpPr>
+        <a:xfrm>
+          <a:off x="0" y="0"/>
+          <a:ext cx="0" cy="0"/>
+          <a:chOff x="0" y="0"/>
+          <a:chExt cx="0" cy="0"/>
+        </a:xfrm>
+      </p:grpSpPr>
+      <p:sp>
+        <p:nvSpPr>
+          <p:cNvPr id="2" name="Slide Image Placeholder 1"/>
+          <p:cNvSpPr>
+            <a:spLocks noGrp="1" noRot="1" noChangeAspect="1"/>
+          </p:cNvSpPr>
+          <p:nvPr>
+            <p:ph type="sldImg"/>
+          </p:nvPr>
+        </p:nvSpPr>
+        <p:spPr/>
+      </p:sp>
+      <p:sp>
+        <p:nvSpPr>
+          <p:cNvPr id="3" name="Notes Placeholder 2"/>
+          <p:cNvSpPr>
+            <a:spLocks noGrp="1"/>
+          </p:cNvSpPr>
+          <p:nvPr>
+            <p:ph type="body" idx="1"/>
+          </p:nvPr>
+        </p:nvSpPr>
+        <p:spPr/>
+        <p:txBody>
+          <a:bodyPr/>
+          <a:lstStyle/>
+          <a:p>
+            <a:endParaRPr lang="en-US" dirty="0"/>
+          </a:p>
+        </p:txBody>
+      </p:sp>
+      <p:sp>
+        <p:nvSpPr>
+          <p:cNvPr id="4" name="Slide Number Placeholder 3"/>
+          <p:cNvSpPr>
+            <a:spLocks noGrp="1"/>
+          </p:cNvSpPr>
+          <p:nvPr>
+            <p:ph type="sldNum" sz="quarter" idx="5"/>
+          </p:nvPr>
+        </p:nvSpPr>
+        <p:spPr/>
+        <p:txBody>
+          <a:bodyPr/>
+          <a:lstStyle/>
+          <a:p>
+            <a:fld id="{DEF75CB5-5666-5049-9AE0-38EFD385C21E}" type="slidenum">
+              <a:rPr lang="en-US" smtClean="0"/>
+              <a:t>16</a:t>
+            </a:fld>
+            <a:endParaRPr lang="en-US" dirty="0"/>
+          </a:p>
+        </p:txBody>
+      </p:sp>
+    </p:spTree>
+    <p:extLst>
+      <p:ext uri="{BB962C8B-B14F-4D97-AF65-F5344CB8AC3E}">
+        <p14:creationId xmlns:p14="http://schemas.microsoft.com/office/powerpoint/2010/main" val="178419945"/>
+      </p:ext>
+    </p:extLst>
+  </p:cSld>
+  <p:clrMapOvr>
+    <a:masterClrMapping/>
+  </p:clrMapOvr>
+</p:notes>
+</file>
+
+<file path=ppt/notesSlides/notesSlide17.xml><?xml version="1.0" encoding="utf-8"?>
+<p:notes xmlns:a="http://schemas.openxmlformats.org/drawingml/2006/main" xmlns:r="http://schemas.openxmlformats.org/officeDocument/2006/relationships" xmlns:p="http://schemas.openxmlformats.org/presentationml/2006/main">
+  <p:cSld>
+    <p:spTree>
+      <p:nvGrpSpPr>
+        <p:cNvPr id="1" name=""/>
+        <p:cNvGrpSpPr/>
+        <p:nvPr/>
+      </p:nvGrpSpPr>
+      <p:grpSpPr>
+        <a:xfrm>
+          <a:off x="0" y="0"/>
+          <a:ext cx="0" cy="0"/>
+          <a:chOff x="0" y="0"/>
+          <a:chExt cx="0" cy="0"/>
+        </a:xfrm>
+      </p:grpSpPr>
+      <p:sp>
+        <p:nvSpPr>
+          <p:cNvPr id="2" name="Slide Image Placeholder 1"/>
+          <p:cNvSpPr>
+            <a:spLocks noGrp="1" noRot="1" noChangeAspect="1"/>
+          </p:cNvSpPr>
+          <p:nvPr>
+            <p:ph type="sldImg"/>
+          </p:nvPr>
+        </p:nvSpPr>
+        <p:spPr/>
+      </p:sp>
+      <p:sp>
+        <p:nvSpPr>
+          <p:cNvPr id="3" name="Notes Placeholder 2"/>
+          <p:cNvSpPr>
+            <a:spLocks noGrp="1"/>
+          </p:cNvSpPr>
+          <p:nvPr>
+            <p:ph type="body" idx="1"/>
+          </p:nvPr>
+        </p:nvSpPr>
+        <p:spPr/>
+        <p:txBody>
+          <a:bodyPr/>
+          <a:lstStyle/>
+          <a:p>
+            <a:endParaRPr lang="en-US" dirty="0"/>
+          </a:p>
+        </p:txBody>
+      </p:sp>
+      <p:sp>
+        <p:nvSpPr>
+          <p:cNvPr id="4" name="Slide Number Placeholder 3"/>
+          <p:cNvSpPr>
+            <a:spLocks noGrp="1"/>
+          </p:cNvSpPr>
+          <p:nvPr>
+            <p:ph type="sldNum" sz="quarter" idx="5"/>
+          </p:nvPr>
+        </p:nvSpPr>
+        <p:spPr/>
+        <p:txBody>
+          <a:bodyPr/>
+          <a:lstStyle/>
+          <a:p>
+            <a:fld id="{DEF75CB5-5666-5049-9AE0-38EFD385C21E}" type="slidenum">
+              <a:rPr lang="en-US" smtClean="0"/>
+              <a:t>17</a:t>
+            </a:fld>
+            <a:endParaRPr lang="en-US" dirty="0"/>
+          </a:p>
+        </p:txBody>
+      </p:sp>
+    </p:spTree>
+    <p:extLst>
+      <p:ext uri="{BB962C8B-B14F-4D97-AF65-F5344CB8AC3E}">
+        <p14:creationId xmlns:p14="http://schemas.microsoft.com/office/powerpoint/2010/main" val="935072998"/>
+      </p:ext>
+    </p:extLst>
+  </p:cSld>
+  <p:clrMapOvr>
+    <a:masterClrMapping/>
+  </p:clrMapOvr>
+</p:notes>
+</file>
+
+<file path=ppt/notesSlides/notesSlide18.xml><?xml version="1.0" encoding="utf-8"?>
+<p:notes xmlns:a="http://schemas.openxmlformats.org/drawingml/2006/main" xmlns:r="http://schemas.openxmlformats.org/officeDocument/2006/relationships" xmlns:p="http://schemas.openxmlformats.org/presentationml/2006/main">
+  <p:cSld>
+    <p:spTree>
+      <p:nvGrpSpPr>
+        <p:cNvPr id="1" name=""/>
+        <p:cNvGrpSpPr/>
+        <p:nvPr/>
+      </p:nvGrpSpPr>
+      <p:grpSpPr>
+        <a:xfrm>
+          <a:off x="0" y="0"/>
+          <a:ext cx="0" cy="0"/>
+          <a:chOff x="0" y="0"/>
+          <a:chExt cx="0" cy="0"/>
+        </a:xfrm>
+      </p:grpSpPr>
+      <p:sp>
+        <p:nvSpPr>
+          <p:cNvPr id="2" name="Slide Image Placeholder 1"/>
+          <p:cNvSpPr>
+            <a:spLocks noGrp="1" noRot="1" noChangeAspect="1"/>
+          </p:cNvSpPr>
+          <p:nvPr>
+            <p:ph type="sldImg"/>
+          </p:nvPr>
+        </p:nvSpPr>
+        <p:spPr/>
+      </p:sp>
+      <p:sp>
+        <p:nvSpPr>
+          <p:cNvPr id="3" name="Notes Placeholder 2"/>
+          <p:cNvSpPr>
+            <a:spLocks noGrp="1"/>
+          </p:cNvSpPr>
+          <p:nvPr>
+            <p:ph type="body" idx="1"/>
+          </p:nvPr>
+        </p:nvSpPr>
+        <p:spPr/>
+        <p:txBody>
+          <a:bodyPr/>
+          <a:lstStyle/>
+          <a:p>
+            <a:endParaRPr lang="en-US" dirty="0"/>
+          </a:p>
+        </p:txBody>
+      </p:sp>
+      <p:sp>
+        <p:nvSpPr>
+          <p:cNvPr id="4" name="Slide Number Placeholder 3"/>
+          <p:cNvSpPr>
+            <a:spLocks noGrp="1"/>
+          </p:cNvSpPr>
+          <p:nvPr>
+            <p:ph type="sldNum" sz="quarter" idx="5"/>
+          </p:nvPr>
+        </p:nvSpPr>
+        <p:spPr/>
+        <p:txBody>
+          <a:bodyPr/>
+          <a:lstStyle/>
+          <a:p>
+            <a:fld id="{DEF75CB5-5666-5049-9AE0-38EFD385C21E}" type="slidenum">
+              <a:rPr lang="en-US" smtClean="0"/>
+              <a:t>18</a:t>
+            </a:fld>
+            <a:endParaRPr lang="en-US" dirty="0"/>
+          </a:p>
+        </p:txBody>
+      </p:sp>
+    </p:spTree>
+    <p:extLst>
+      <p:ext uri="{BB962C8B-B14F-4D97-AF65-F5344CB8AC3E}">
+        <p14:creationId xmlns:p14="http://schemas.microsoft.com/office/powerpoint/2010/main" val="661510092"/>
+      </p:ext>
+    </p:extLst>
+  </p:cSld>
+  <p:clrMapOvr>
+    <a:masterClrMapping/>
+  </p:clrMapOvr>
+</p:notes>
+</file>
+
+<file path=ppt/notesSlides/notesSlide19.xml><?xml version="1.0" encoding="utf-8"?>
+<p:notes xmlns:a="http://schemas.openxmlformats.org/drawingml/2006/main" xmlns:r="http://schemas.openxmlformats.org/officeDocument/2006/relationships" xmlns:p="http://schemas.openxmlformats.org/presentationml/2006/main">
+  <p:cSld>
+    <p:spTree>
+      <p:nvGrpSpPr>
+        <p:cNvPr id="1" name=""/>
+        <p:cNvGrpSpPr/>
+        <p:nvPr/>
+      </p:nvGrpSpPr>
+      <p:grpSpPr>
+        <a:xfrm>
+          <a:off x="0" y="0"/>
+          <a:ext cx="0" cy="0"/>
+          <a:chOff x="0" y="0"/>
+          <a:chExt cx="0" cy="0"/>
+        </a:xfrm>
+      </p:grpSpPr>
+      <p:sp>
+        <p:nvSpPr>
+          <p:cNvPr id="2" name="Slide Image Placeholder 1"/>
+          <p:cNvSpPr>
+            <a:spLocks noGrp="1" noRot="1" noChangeAspect="1"/>
+          </p:cNvSpPr>
+          <p:nvPr>
+            <p:ph type="sldImg"/>
+          </p:nvPr>
+        </p:nvSpPr>
+        <p:spPr/>
+      </p:sp>
+      <p:sp>
+        <p:nvSpPr>
+          <p:cNvPr id="3" name="Notes Placeholder 2"/>
+          <p:cNvSpPr>
+            <a:spLocks noGrp="1"/>
+          </p:cNvSpPr>
+          <p:nvPr>
+            <p:ph type="body" idx="1"/>
+          </p:nvPr>
+        </p:nvSpPr>
+        <p:spPr/>
+        <p:txBody>
+          <a:bodyPr/>
+          <a:lstStyle/>
+          <a:p>
+            <a:endParaRPr lang="en-US" dirty="0"/>
+          </a:p>
+        </p:txBody>
+      </p:sp>
+      <p:sp>
+        <p:nvSpPr>
+          <p:cNvPr id="4" name="Slide Number Placeholder 3"/>
+          <p:cNvSpPr>
+            <a:spLocks noGrp="1"/>
+          </p:cNvSpPr>
+          <p:nvPr>
+            <p:ph type="sldNum" sz="quarter" idx="5"/>
+          </p:nvPr>
+        </p:nvSpPr>
+        <p:spPr/>
+        <p:txBody>
+          <a:bodyPr/>
+          <a:lstStyle/>
+          <a:p>
+            <a:fld id="{DEF75CB5-5666-5049-9AE0-38EFD385C21E}" type="slidenum">
+              <a:rPr lang="en-US" smtClean="0"/>
+              <a:t>19</a:t>
             </a:fld>
             <a:endParaRPr lang="en-US" dirty="0"/>
           </a:p>
@@ -1350,7 +1920,7 @@
     </p:spTree>
     <p:extLst>
       <p:ext uri="{BB962C8B-B14F-4D97-AF65-F5344CB8AC3E}">
-        <p14:creationId xmlns:p14="http://schemas.microsoft.com/office/powerpoint/2010/main" val="935072998"/>
+        <p14:creationId xmlns:p14="http://schemas.microsoft.com/office/powerpoint/2010/main" val="2493029087"/>
       </p:ext>
     </p:extLst>
   </p:cSld>
@@ -1434,7 +2004,7 @@
     </p:spTree>
     <p:extLst>
       <p:ext uri="{BB962C8B-B14F-4D97-AF65-F5344CB8AC3E}">
-        <p14:creationId xmlns:p14="http://schemas.microsoft.com/office/powerpoint/2010/main" val="1860164103"/>
+        <p14:creationId xmlns:p14="http://schemas.microsoft.com/office/powerpoint/2010/main" val="2268966439"/>
       </p:ext>
     </p:extLst>
   </p:cSld>
@@ -1507,78 +2077,18 @@
           <a:bodyPr/>
           <a:lstStyle/>
           <a:p>
-            <a:pPr marL="0" marR="0" lvl="0" indent="0" algn="r" defTabSz="914400" rtl="0" eaLnBrk="1" fontAlgn="auto" latinLnBrk="0" hangingPunct="1">
-              <a:lnSpc>
-                <a:spcPct val="100000"/>
-              </a:lnSpc>
-              <a:spcBef>
-                <a:spcPts val="0"/>
-              </a:spcBef>
-              <a:spcAft>
-                <a:spcPts val="0"/>
-              </a:spcAft>
-              <a:buClrTx/>
-              <a:buSzTx/>
-              <a:buFontTx/>
-              <a:buNone/>
-              <a:tabLst/>
-              <a:defRPr/>
-            </a:pPr>
             <a:fld id="{DEF75CB5-5666-5049-9AE0-38EFD385C21E}" type="slidenum">
-              <a:rPr kumimoji="0" lang="en-US" sz="1200" b="0" i="0" u="none" strike="noStrike" kern="1200" cap="none" spc="0" normalizeH="0" baseline="0" noProof="0" smtClean="0">
-                <a:ln>
-                  <a:noFill/>
-                </a:ln>
-                <a:solidFill>
-                  <a:prstClr val="black"/>
-                </a:solidFill>
-                <a:effectLst/>
-                <a:uLnTx/>
-                <a:uFillTx/>
-                <a:latin typeface="Calibri" panose="020F0502020204030204"/>
-                <a:ea typeface="+mn-ea"/>
-                <a:cs typeface="+mn-cs"/>
-              </a:rPr>
-              <a:pPr marL="0" marR="0" lvl="0" indent="0" algn="r" defTabSz="914400" rtl="0" eaLnBrk="1" fontAlgn="auto" latinLnBrk="0" hangingPunct="1">
-                <a:lnSpc>
-                  <a:spcPct val="100000"/>
-                </a:lnSpc>
-                <a:spcBef>
-                  <a:spcPts val="0"/>
-                </a:spcBef>
-                <a:spcAft>
-                  <a:spcPts val="0"/>
-                </a:spcAft>
-                <a:buClrTx/>
-                <a:buSzTx/>
-                <a:buFontTx/>
-                <a:buNone/>
-                <a:tabLst/>
-                <a:defRPr/>
-              </a:pPr>
+              <a:rPr lang="en-US" smtClean="0"/>
               <a:t>6</a:t>
             </a:fld>
-            <a:endParaRPr kumimoji="0" lang="en-US" sz="1200" b="0" i="0" u="none" strike="noStrike" kern="1200" cap="none" spc="0" normalizeH="0" baseline="0" noProof="0" dirty="0">
-              <a:ln>
-                <a:noFill/>
-              </a:ln>
-              <a:solidFill>
-                <a:prstClr val="black"/>
-              </a:solidFill>
-              <a:effectLst/>
-              <a:uLnTx/>
-              <a:uFillTx/>
-              <a:latin typeface="Calibri" panose="020F0502020204030204"/>
-              <a:ea typeface="+mn-ea"/>
-              <a:cs typeface="+mn-cs"/>
-            </a:endParaRPr>
+            <a:endParaRPr lang="en-US" dirty="0"/>
           </a:p>
         </p:txBody>
       </p:sp>
     </p:spTree>
     <p:extLst>
       <p:ext uri="{BB962C8B-B14F-4D97-AF65-F5344CB8AC3E}">
-        <p14:creationId xmlns:p14="http://schemas.microsoft.com/office/powerpoint/2010/main" val="2745012378"/>
+        <p14:creationId xmlns:p14="http://schemas.microsoft.com/office/powerpoint/2010/main" val="3626307405"/>
       </p:ext>
     </p:extLst>
   </p:cSld>
@@ -1662,7 +2172,7 @@
     </p:spTree>
     <p:extLst>
       <p:ext uri="{BB962C8B-B14F-4D97-AF65-F5344CB8AC3E}">
-        <p14:creationId xmlns:p14="http://schemas.microsoft.com/office/powerpoint/2010/main" val="2493029087"/>
+        <p14:creationId xmlns:p14="http://schemas.microsoft.com/office/powerpoint/2010/main" val="2234590518"/>
       </p:ext>
     </p:extLst>
   </p:cSld>
@@ -1746,7 +2256,7 @@
     </p:spTree>
     <p:extLst>
       <p:ext uri="{BB962C8B-B14F-4D97-AF65-F5344CB8AC3E}">
-        <p14:creationId xmlns:p14="http://schemas.microsoft.com/office/powerpoint/2010/main" val="712487217"/>
+        <p14:creationId xmlns:p14="http://schemas.microsoft.com/office/powerpoint/2010/main" val="1767780551"/>
       </p:ext>
     </p:extLst>
   </p:cSld>
@@ -1830,7 +2340,7 @@
     </p:spTree>
     <p:extLst>
       <p:ext uri="{BB962C8B-B14F-4D97-AF65-F5344CB8AC3E}">
-        <p14:creationId xmlns:p14="http://schemas.microsoft.com/office/powerpoint/2010/main" val="3765125580"/>
+        <p14:creationId xmlns:p14="http://schemas.microsoft.com/office/powerpoint/2010/main" val="712487217"/>
       </p:ext>
     </p:extLst>
   </p:cSld>
@@ -10631,6 +11141,1016 @@
       </p:grpSpPr>
       <p:sp>
         <p:nvSpPr>
+          <p:cNvPr id="2" name="Title 1">
+            <a:extLst>
+              <a:ext uri="{FF2B5EF4-FFF2-40B4-BE49-F238E27FC236}">
+                <a16:creationId xmlns:a16="http://schemas.microsoft.com/office/drawing/2014/main" id="{A2DE810E-8E37-1D8A-245B-020E4E4C0B9F}"/>
+              </a:ext>
+            </a:extLst>
+          </p:cNvPr>
+          <p:cNvSpPr>
+            <a:spLocks noGrp="1"/>
+          </p:cNvSpPr>
+          <p:nvPr>
+            <p:ph type="title"/>
+          </p:nvPr>
+        </p:nvSpPr>
+        <p:spPr>
+          <a:xfrm>
+            <a:off x="733562" y="433906"/>
+            <a:ext cx="10515601" cy="1327464"/>
+          </a:xfrm>
+        </p:spPr>
+        <p:txBody>
+          <a:bodyPr/>
+          <a:lstStyle/>
+          <a:p>
+            <a:r>
+              <a:rPr lang="en-US" dirty="0"/>
+              <a:t>Next steps</a:t>
+            </a:r>
+          </a:p>
+        </p:txBody>
+      </p:sp>
+      <p:sp>
+        <p:nvSpPr>
+          <p:cNvPr id="3" name="Content Placeholder 2">
+            <a:extLst>
+              <a:ext uri="{FF2B5EF4-FFF2-40B4-BE49-F238E27FC236}">
+                <a16:creationId xmlns:a16="http://schemas.microsoft.com/office/drawing/2014/main" id="{7D7CECA3-144C-CD4B-9246-81B4F2E65466}"/>
+              </a:ext>
+            </a:extLst>
+          </p:cNvPr>
+          <p:cNvSpPr>
+            <a:spLocks noGrp="1"/>
+          </p:cNvSpPr>
+          <p:nvPr>
+            <p:ph sz="quarter" idx="36"/>
+          </p:nvPr>
+        </p:nvSpPr>
+        <p:spPr>
+          <a:xfrm>
+            <a:off x="814302" y="2465535"/>
+            <a:ext cx="7303538" cy="3427265"/>
+          </a:xfrm>
+        </p:spPr>
+        <p:txBody>
+          <a:bodyPr/>
+          <a:lstStyle/>
+          <a:p>
+            <a:endParaRPr lang="en-US" dirty="0"/>
+          </a:p>
+        </p:txBody>
+      </p:sp>
+      <p:sp>
+        <p:nvSpPr>
+          <p:cNvPr id="4" name="Slide Number Placeholder 3">
+            <a:extLst>
+              <a:ext uri="{FF2B5EF4-FFF2-40B4-BE49-F238E27FC236}">
+                <a16:creationId xmlns:a16="http://schemas.microsoft.com/office/drawing/2014/main" id="{FD1E69EA-A9E8-C521-7C62-DA1F24879918}"/>
+              </a:ext>
+            </a:extLst>
+          </p:cNvPr>
+          <p:cNvSpPr>
+            <a:spLocks noGrp="1"/>
+          </p:cNvSpPr>
+          <p:nvPr>
+            <p:ph type="sldNum" sz="quarter" idx="12"/>
+          </p:nvPr>
+        </p:nvSpPr>
+        <p:spPr>
+          <a:xfrm>
+            <a:off x="9140971" y="6226198"/>
+            <a:ext cx="2743200" cy="365125"/>
+          </a:xfrm>
+        </p:spPr>
+        <p:txBody>
+          <a:bodyPr/>
+          <a:lstStyle/>
+          <a:p>
+            <a:fld id="{FE024F78-56A6-7740-B68D-8D4D026EDF3F}" type="slidenum">
+              <a:rPr lang="en-US" smtClean="0"/>
+              <a:pPr/>
+              <a:t>10</a:t>
+            </a:fld>
+            <a:endParaRPr lang="en-US" dirty="0"/>
+          </a:p>
+        </p:txBody>
+      </p:sp>
+    </p:spTree>
+    <p:extLst>
+      <p:ext uri="{BB962C8B-B14F-4D97-AF65-F5344CB8AC3E}">
+        <p14:creationId xmlns:p14="http://schemas.microsoft.com/office/powerpoint/2010/main" val="79695288"/>
+      </p:ext>
+    </p:extLst>
+  </p:cSld>
+  <p:clrMapOvr>
+    <a:masterClrMapping/>
+  </p:clrMapOvr>
+</p:sld>
+</file>
+
+<file path=ppt/slides/slide11.xml><?xml version="1.0" encoding="utf-8"?>
+<p:sld xmlns:a="http://schemas.openxmlformats.org/drawingml/2006/main" xmlns:r="http://schemas.openxmlformats.org/officeDocument/2006/relationships" xmlns:p="http://schemas.openxmlformats.org/presentationml/2006/main">
+  <p:cSld>
+    <p:spTree>
+      <p:nvGrpSpPr>
+        <p:cNvPr id="1" name=""/>
+        <p:cNvGrpSpPr/>
+        <p:nvPr/>
+      </p:nvGrpSpPr>
+      <p:grpSpPr>
+        <a:xfrm>
+          <a:off x="0" y="0"/>
+          <a:ext cx="0" cy="0"/>
+          <a:chOff x="0" y="0"/>
+          <a:chExt cx="0" cy="0"/>
+        </a:xfrm>
+      </p:grpSpPr>
+      <p:sp>
+        <p:nvSpPr>
+          <p:cNvPr id="2" name="Title 1">
+            <a:extLst>
+              <a:ext uri="{FF2B5EF4-FFF2-40B4-BE49-F238E27FC236}">
+                <a16:creationId xmlns:a16="http://schemas.microsoft.com/office/drawing/2014/main" id="{6CCA29A4-AAFD-04EE-0732-0671E83D5EF1}"/>
+              </a:ext>
+            </a:extLst>
+          </p:cNvPr>
+          <p:cNvSpPr>
+            <a:spLocks noGrp="1"/>
+          </p:cNvSpPr>
+          <p:nvPr>
+            <p:ph type="title"/>
+          </p:nvPr>
+        </p:nvSpPr>
+        <p:spPr>
+          <a:xfrm>
+            <a:off x="2399620" y="162560"/>
+            <a:ext cx="8843050" cy="1616904"/>
+          </a:xfrm>
+        </p:spPr>
+        <p:txBody>
+          <a:bodyPr/>
+          <a:lstStyle/>
+          <a:p>
+            <a:r>
+              <a:rPr lang="en-US" dirty="0"/>
+              <a:t>EFFECTIVE DELIVERY TECHNIQUES</a:t>
+            </a:r>
+          </a:p>
+        </p:txBody>
+      </p:sp>
+      <p:sp>
+        <p:nvSpPr>
+          <p:cNvPr id="3" name="Content Placeholder 2">
+            <a:extLst>
+              <a:ext uri="{FF2B5EF4-FFF2-40B4-BE49-F238E27FC236}">
+                <a16:creationId xmlns:a16="http://schemas.microsoft.com/office/drawing/2014/main" id="{F09FEE91-E849-1CB0-9E51-A58B99C631C5}"/>
+              </a:ext>
+            </a:extLst>
+          </p:cNvPr>
+          <p:cNvSpPr>
+            <a:spLocks noGrp="1"/>
+          </p:cNvSpPr>
+          <p:nvPr>
+            <p:ph sz="quarter" idx="35"/>
+          </p:nvPr>
+        </p:nvSpPr>
+        <p:spPr>
+          <a:xfrm>
+            <a:off x="2373002" y="2474811"/>
+            <a:ext cx="4015098" cy="3528397"/>
+          </a:xfrm>
+        </p:spPr>
+        <p:txBody>
+          <a:bodyPr/>
+          <a:lstStyle/>
+          <a:p>
+            <a:r>
+              <a:rPr lang="en-US" dirty="0"/>
+              <a:t>This is a powerful tool in public speaking. It involves varying pitch, tone, and volume to convey emotion, emphasize points, and maintain interest.</a:t>
+            </a:r>
+          </a:p>
+          <a:p>
+            <a:pPr lvl="1"/>
+            <a:r>
+              <a:rPr lang="en-US" dirty="0"/>
+              <a:t>Pitch variation</a:t>
+            </a:r>
+          </a:p>
+          <a:p>
+            <a:pPr lvl="1"/>
+            <a:r>
+              <a:rPr lang="en-US" dirty="0"/>
+              <a:t>Tone inflection</a:t>
+            </a:r>
+          </a:p>
+          <a:p>
+            <a:pPr lvl="1"/>
+            <a:r>
+              <a:rPr lang="en-US" dirty="0"/>
+              <a:t>Volume control</a:t>
+            </a:r>
+          </a:p>
+        </p:txBody>
+      </p:sp>
+      <p:sp>
+        <p:nvSpPr>
+          <p:cNvPr id="4" name="Content Placeholder 3">
+            <a:extLst>
+              <a:ext uri="{FF2B5EF4-FFF2-40B4-BE49-F238E27FC236}">
+                <a16:creationId xmlns:a16="http://schemas.microsoft.com/office/drawing/2014/main" id="{9B774F1A-D233-C240-B22D-F82C6161FAC1}"/>
+              </a:ext>
+            </a:extLst>
+          </p:cNvPr>
+          <p:cNvSpPr>
+            <a:spLocks noGrp="1"/>
+          </p:cNvSpPr>
+          <p:nvPr>
+            <p:ph sz="quarter" idx="36"/>
+          </p:nvPr>
+        </p:nvSpPr>
+        <p:spPr>
+          <a:xfrm>
+            <a:off x="6995159" y="2474811"/>
+            <a:ext cx="4227332" cy="3528397"/>
+          </a:xfrm>
+        </p:spPr>
+        <p:txBody>
+          <a:bodyPr/>
+          <a:lstStyle/>
+          <a:p>
+            <a:r>
+              <a:rPr lang="en-US" dirty="0"/>
+              <a:t>Effective body language enhances your message, making it more impactful and memorable.</a:t>
+            </a:r>
+          </a:p>
+          <a:p>
+            <a:pPr lvl="1"/>
+            <a:r>
+              <a:rPr lang="en-US" dirty="0"/>
+              <a:t>Meaningful eye contact</a:t>
+            </a:r>
+          </a:p>
+          <a:p>
+            <a:pPr lvl="1"/>
+            <a:r>
+              <a:rPr lang="en-US" dirty="0"/>
+              <a:t>Purposeful gestures</a:t>
+            </a:r>
+          </a:p>
+          <a:p>
+            <a:pPr lvl="1"/>
+            <a:r>
+              <a:rPr lang="en-US" dirty="0"/>
+              <a:t>Maintain good posture</a:t>
+            </a:r>
+          </a:p>
+          <a:p>
+            <a:pPr lvl="1"/>
+            <a:r>
+              <a:rPr lang="en-US" dirty="0"/>
+              <a:t>Control your expressions</a:t>
+            </a:r>
+          </a:p>
+        </p:txBody>
+      </p:sp>
+      <p:sp>
+        <p:nvSpPr>
+          <p:cNvPr id="5" name="Slide Number Placeholder 4">
+            <a:extLst>
+              <a:ext uri="{FF2B5EF4-FFF2-40B4-BE49-F238E27FC236}">
+                <a16:creationId xmlns:a16="http://schemas.microsoft.com/office/drawing/2014/main" id="{23E23533-91C6-420C-B7D7-4977ACF73ACF}"/>
+              </a:ext>
+            </a:extLst>
+          </p:cNvPr>
+          <p:cNvSpPr>
+            <a:spLocks noGrp="1"/>
+          </p:cNvSpPr>
+          <p:nvPr>
+            <p:ph type="sldNum" sz="quarter" idx="12"/>
+          </p:nvPr>
+        </p:nvSpPr>
+        <p:spPr>
+          <a:xfrm>
+            <a:off x="9140971" y="6226198"/>
+            <a:ext cx="2743200" cy="365125"/>
+          </a:xfrm>
+        </p:spPr>
+        <p:txBody>
+          <a:bodyPr/>
+          <a:lstStyle/>
+          <a:p>
+            <a:fld id="{FE024F78-56A6-7740-B68D-8D4D026EDF3F}" type="slidenum">
+              <a:rPr lang="en-US" smtClean="0"/>
+              <a:pPr/>
+              <a:t>11</a:t>
+            </a:fld>
+            <a:endParaRPr lang="en-US" dirty="0"/>
+          </a:p>
+        </p:txBody>
+      </p:sp>
+    </p:spTree>
+    <p:extLst>
+      <p:ext uri="{BB962C8B-B14F-4D97-AF65-F5344CB8AC3E}">
+        <p14:creationId xmlns:p14="http://schemas.microsoft.com/office/powerpoint/2010/main" val="3387065243"/>
+      </p:ext>
+    </p:extLst>
+  </p:cSld>
+  <p:clrMapOvr>
+    <a:masterClrMapping/>
+  </p:clrMapOvr>
+</p:sld>
+</file>
+
+<file path=ppt/slides/slide12.xml><?xml version="1.0" encoding="utf-8"?>
+<p:sld xmlns:a="http://schemas.openxmlformats.org/drawingml/2006/main" xmlns:r="http://schemas.openxmlformats.org/officeDocument/2006/relationships" xmlns:p="http://schemas.openxmlformats.org/presentationml/2006/main">
+  <p:cSld>
+    <p:spTree>
+      <p:nvGrpSpPr>
+        <p:cNvPr id="1" name=""/>
+        <p:cNvGrpSpPr/>
+        <p:nvPr/>
+      </p:nvGrpSpPr>
+      <p:grpSpPr>
+        <a:xfrm>
+          <a:off x="0" y="0"/>
+          <a:ext cx="0" cy="0"/>
+          <a:chOff x="0" y="0"/>
+          <a:chExt cx="0" cy="0"/>
+        </a:xfrm>
+      </p:grpSpPr>
+      <p:sp>
+        <p:nvSpPr>
+          <p:cNvPr id="2" name="Title 1">
+            <a:extLst>
+              <a:ext uri="{FF2B5EF4-FFF2-40B4-BE49-F238E27FC236}">
+                <a16:creationId xmlns:a16="http://schemas.microsoft.com/office/drawing/2014/main" id="{E117F7C5-CBA2-9823-0CBA-5BD773998046}"/>
+              </a:ext>
+            </a:extLst>
+          </p:cNvPr>
+          <p:cNvSpPr>
+            <a:spLocks noGrp="1"/>
+          </p:cNvSpPr>
+          <p:nvPr>
+            <p:ph type="title"/>
+          </p:nvPr>
+        </p:nvSpPr>
+        <p:spPr>
+          <a:xfrm>
+            <a:off x="321869" y="579120"/>
+            <a:ext cx="11548261" cy="2733306"/>
+          </a:xfrm>
+        </p:spPr>
+        <p:txBody>
+          <a:bodyPr/>
+          <a:lstStyle/>
+          <a:p>
+            <a:r>
+              <a:rPr lang="en-US" dirty="0"/>
+              <a:t>The Power of</a:t>
+            </a:r>
+          </a:p>
+        </p:txBody>
+      </p:sp>
+      <p:sp>
+        <p:nvSpPr>
+          <p:cNvPr id="4" name="Subtitle 3">
+            <a:extLst>
+              <a:ext uri="{FF2B5EF4-FFF2-40B4-BE49-F238E27FC236}">
+                <a16:creationId xmlns:a16="http://schemas.microsoft.com/office/drawing/2014/main" id="{260D053B-A40A-3228-B6D5-3371B9EE2E56}"/>
+              </a:ext>
+            </a:extLst>
+          </p:cNvPr>
+          <p:cNvSpPr>
+            <a:spLocks noGrp="1"/>
+          </p:cNvSpPr>
+          <p:nvPr>
+            <p:ph type="subTitle" idx="1"/>
+          </p:nvPr>
+        </p:nvSpPr>
+        <p:spPr>
+          <a:xfrm>
+            <a:off x="321868" y="3484615"/>
+            <a:ext cx="11562303" cy="2387865"/>
+          </a:xfrm>
+        </p:spPr>
+        <p:txBody>
+          <a:bodyPr/>
+          <a:lstStyle/>
+          <a:p>
+            <a:r>
+              <a:rPr lang="en-US" dirty="0"/>
+              <a:t>Communication</a:t>
+            </a:r>
+          </a:p>
+        </p:txBody>
+      </p:sp>
+      <p:sp>
+        <p:nvSpPr>
+          <p:cNvPr id="3" name="Slide Number Placeholder 2">
+            <a:extLst>
+              <a:ext uri="{FF2B5EF4-FFF2-40B4-BE49-F238E27FC236}">
+                <a16:creationId xmlns:a16="http://schemas.microsoft.com/office/drawing/2014/main" id="{A6A971A9-0C5C-DDFC-67F9-2E5A55F12F67}"/>
+              </a:ext>
+            </a:extLst>
+          </p:cNvPr>
+          <p:cNvSpPr>
+            <a:spLocks noGrp="1"/>
+          </p:cNvSpPr>
+          <p:nvPr>
+            <p:ph type="sldNum" sz="quarter" idx="12"/>
+          </p:nvPr>
+        </p:nvSpPr>
+        <p:spPr>
+          <a:xfrm>
+            <a:off x="9140971" y="6226198"/>
+            <a:ext cx="2743200" cy="365125"/>
+          </a:xfrm>
+        </p:spPr>
+        <p:txBody>
+          <a:bodyPr/>
+          <a:lstStyle/>
+          <a:p>
+            <a:fld id="{FE024F78-56A6-7740-B68D-8D4D026EDF3F}" type="slidenum">
+              <a:rPr lang="en-US" smtClean="0"/>
+              <a:pPr/>
+              <a:t>12</a:t>
+            </a:fld>
+            <a:endParaRPr lang="en-US" dirty="0"/>
+          </a:p>
+        </p:txBody>
+      </p:sp>
+    </p:spTree>
+    <p:extLst>
+      <p:ext uri="{BB962C8B-B14F-4D97-AF65-F5344CB8AC3E}">
+        <p14:creationId xmlns:p14="http://schemas.microsoft.com/office/powerpoint/2010/main" val="1397193754"/>
+      </p:ext>
+    </p:extLst>
+  </p:cSld>
+  <p:clrMapOvr>
+    <a:masterClrMapping/>
+  </p:clrMapOvr>
+</p:sld>
+</file>
+
+<file path=ppt/slides/slide13.xml><?xml version="1.0" encoding="utf-8"?>
+<p:sld xmlns:a="http://schemas.openxmlformats.org/drawingml/2006/main" xmlns:r="http://schemas.openxmlformats.org/officeDocument/2006/relationships" xmlns:p="http://schemas.openxmlformats.org/presentationml/2006/main">
+  <p:cSld>
+    <p:spTree>
+      <p:nvGrpSpPr>
+        <p:cNvPr id="1" name=""/>
+        <p:cNvGrpSpPr/>
+        <p:nvPr/>
+      </p:nvGrpSpPr>
+      <p:grpSpPr>
+        <a:xfrm>
+          <a:off x="0" y="0"/>
+          <a:ext cx="0" cy="0"/>
+          <a:chOff x="0" y="0"/>
+          <a:chExt cx="0" cy="0"/>
+        </a:xfrm>
+      </p:grpSpPr>
+      <p:sp>
+        <p:nvSpPr>
+          <p:cNvPr id="3" name="Rectangle 2" hidden="1">
+            <a:extLst>
+              <a:ext uri="{FF2B5EF4-FFF2-40B4-BE49-F238E27FC236}">
+                <a16:creationId xmlns:a16="http://schemas.microsoft.com/office/drawing/2014/main" id="{8692FC88-DAD7-F5AD-7831-DE54322108F6}"/>
+              </a:ext>
+              <a:ext uri="{C183D7F6-B498-43B3-948B-1728B52AA6E4}">
+                <adec:decorative xmlns:adec="http://schemas.microsoft.com/office/drawing/2017/decorative" val="1"/>
+              </a:ext>
+            </a:extLst>
+          </p:cNvPr>
+          <p:cNvSpPr/>
+          <p:nvPr/>
+        </p:nvSpPr>
+        <p:spPr>
+          <a:xfrm>
+            <a:off x="1" y="2"/>
+            <a:ext cx="12227942" cy="6857997"/>
+          </a:xfrm>
+          <a:prstGeom prst="rect">
+            <a:avLst/>
+          </a:prstGeom>
+          <a:solidFill>
+            <a:schemeClr val="tx1">
+              <a:alpha val="70000"/>
+            </a:schemeClr>
+          </a:solidFill>
+          <a:ln>
+            <a:noFill/>
+          </a:ln>
+        </p:spPr>
+        <p:style>
+          <a:lnRef idx="2">
+            <a:schemeClr val="accent1">
+              <a:shade val="50000"/>
+            </a:schemeClr>
+          </a:lnRef>
+          <a:fillRef idx="1">
+            <a:schemeClr val="accent1"/>
+          </a:fillRef>
+          <a:effectRef idx="0">
+            <a:schemeClr val="accent1"/>
+          </a:effectRef>
+          <a:fontRef idx="minor">
+            <a:schemeClr val="lt1"/>
+          </a:fontRef>
+        </p:style>
+        <p:txBody>
+          <a:bodyPr rtlCol="0" anchor="ctr">
+            <a:noAutofit/>
+          </a:bodyPr>
+          <a:lstStyle/>
+          <a:p>
+            <a:pPr algn="ctr"/>
+            <a:endParaRPr lang="en-US" dirty="0"/>
+          </a:p>
+        </p:txBody>
+      </p:sp>
+      <p:sp>
+        <p:nvSpPr>
+          <p:cNvPr id="9" name="Title 1">
+            <a:extLst>
+              <a:ext uri="{FF2B5EF4-FFF2-40B4-BE49-F238E27FC236}">
+                <a16:creationId xmlns:a16="http://schemas.microsoft.com/office/drawing/2014/main" id="{0FD6A3FE-1BF6-4C1A-0553-EBD497A69F2D}"/>
+              </a:ext>
+            </a:extLst>
+          </p:cNvPr>
+          <p:cNvSpPr>
+            <a:spLocks noGrp="1"/>
+          </p:cNvSpPr>
+          <p:nvPr>
+            <p:ph type="title"/>
+          </p:nvPr>
+        </p:nvSpPr>
+        <p:spPr>
+          <a:xfrm>
+            <a:off x="2932448" y="264160"/>
+            <a:ext cx="6327105" cy="3373973"/>
+          </a:xfrm>
+        </p:spPr>
+        <p:txBody>
+          <a:bodyPr anchor="b"/>
+          <a:lstStyle/>
+          <a:p>
+            <a:r>
+              <a:rPr lang="en-US" dirty="0"/>
+              <a:t>SELECTING</a:t>
+            </a:r>
+            <a:br>
+              <a:rPr lang="en-US" dirty="0"/>
+            </a:br>
+            <a:r>
+              <a:rPr lang="en-US" dirty="0"/>
+              <a:t>VISUAL AIDS</a:t>
+            </a:r>
+          </a:p>
+        </p:txBody>
+      </p:sp>
+      <p:sp>
+        <p:nvSpPr>
+          <p:cNvPr id="6" name="Subtitle 5">
+            <a:extLst>
+              <a:ext uri="{FF2B5EF4-FFF2-40B4-BE49-F238E27FC236}">
+                <a16:creationId xmlns:a16="http://schemas.microsoft.com/office/drawing/2014/main" id="{C15774B0-D971-67D7-27EB-FDB82B3A58CD}"/>
+              </a:ext>
+            </a:extLst>
+          </p:cNvPr>
+          <p:cNvSpPr>
+            <a:spLocks noGrp="1"/>
+          </p:cNvSpPr>
+          <p:nvPr>
+            <p:ph type="subTitle" idx="1"/>
+          </p:nvPr>
+        </p:nvSpPr>
+        <p:spPr>
+          <a:xfrm>
+            <a:off x="2932448" y="3962135"/>
+            <a:ext cx="6327105" cy="2653771"/>
+          </a:xfrm>
+        </p:spPr>
+        <p:txBody>
+          <a:bodyPr/>
+          <a:lstStyle/>
+          <a:p>
+            <a:r>
+              <a:rPr lang="en-US" dirty="0"/>
+              <a:t>ENHANCING YOUR PRESENTATION</a:t>
+            </a:r>
+          </a:p>
+        </p:txBody>
+      </p:sp>
+    </p:spTree>
+    <p:extLst>
+      <p:ext uri="{BB962C8B-B14F-4D97-AF65-F5344CB8AC3E}">
+        <p14:creationId xmlns:p14="http://schemas.microsoft.com/office/powerpoint/2010/main" val="1330733909"/>
+      </p:ext>
+    </p:extLst>
+  </p:cSld>
+  <p:clrMapOvr>
+    <a:masterClrMapping/>
+  </p:clrMapOvr>
+</p:sld>
+</file>
+
+<file path=ppt/slides/slide14.xml><?xml version="1.0" encoding="utf-8"?>
+<p:sld xmlns:a="http://schemas.openxmlformats.org/drawingml/2006/main" xmlns:r="http://schemas.openxmlformats.org/officeDocument/2006/relationships" xmlns:p="http://schemas.openxmlformats.org/presentationml/2006/main">
+  <p:cSld>
+    <p:spTree>
+      <p:nvGrpSpPr>
+        <p:cNvPr id="1" name=""/>
+        <p:cNvGrpSpPr/>
+        <p:nvPr/>
+      </p:nvGrpSpPr>
+      <p:grpSpPr>
+        <a:xfrm>
+          <a:off x="0" y="0"/>
+          <a:ext cx="0" cy="0"/>
+          <a:chOff x="0" y="0"/>
+          <a:chExt cx="0" cy="0"/>
+        </a:xfrm>
+      </p:grpSpPr>
+      <p:sp>
+        <p:nvSpPr>
+          <p:cNvPr id="2" name="Title 1">
+            <a:extLst>
+              <a:ext uri="{FF2B5EF4-FFF2-40B4-BE49-F238E27FC236}">
+                <a16:creationId xmlns:a16="http://schemas.microsoft.com/office/drawing/2014/main" id="{11883E06-8BEA-1DD3-D0D6-391C08880EBF}"/>
+              </a:ext>
+            </a:extLst>
+          </p:cNvPr>
+          <p:cNvSpPr>
+            <a:spLocks noGrp="1"/>
+          </p:cNvSpPr>
+          <p:nvPr>
+            <p:ph type="title"/>
+          </p:nvPr>
+        </p:nvSpPr>
+        <p:spPr>
+          <a:xfrm>
+            <a:off x="741680" y="430482"/>
+            <a:ext cx="10500989" cy="1327464"/>
+          </a:xfrm>
+        </p:spPr>
+        <p:txBody>
+          <a:bodyPr/>
+          <a:lstStyle/>
+          <a:p>
+            <a:r>
+              <a:rPr lang="en-US" dirty="0"/>
+              <a:t>NAVIGATING Q&amp;A SESSIONS</a:t>
+            </a:r>
+          </a:p>
+        </p:txBody>
+      </p:sp>
+      <p:sp>
+        <p:nvSpPr>
+          <p:cNvPr id="3" name="Content Placeholder 2">
+            <a:extLst>
+              <a:ext uri="{FF2B5EF4-FFF2-40B4-BE49-F238E27FC236}">
+                <a16:creationId xmlns:a16="http://schemas.microsoft.com/office/drawing/2014/main" id="{1CF175D3-F3DC-695F-474B-346EDCA5D60F}"/>
+              </a:ext>
+            </a:extLst>
+          </p:cNvPr>
+          <p:cNvSpPr>
+            <a:spLocks noGrp="1"/>
+          </p:cNvSpPr>
+          <p:nvPr>
+            <p:ph sz="quarter" idx="35"/>
+          </p:nvPr>
+        </p:nvSpPr>
+        <p:spPr>
+          <a:xfrm>
+            <a:off x="807038" y="2465539"/>
+            <a:ext cx="3774587" cy="3723753"/>
+          </a:xfrm>
+        </p:spPr>
+        <p:txBody>
+          <a:bodyPr/>
+          <a:lstStyle/>
+          <a:p>
+            <a:r>
+              <a:rPr lang="en-US" dirty="0"/>
+              <a:t>Know your material in advance</a:t>
+            </a:r>
+          </a:p>
+          <a:p>
+            <a:r>
+              <a:rPr lang="en-US" dirty="0"/>
+              <a:t>Anticipate common questions</a:t>
+            </a:r>
+          </a:p>
+          <a:p>
+            <a:r>
+              <a:rPr lang="en-US" dirty="0"/>
+              <a:t>Rehearse your responses</a:t>
+            </a:r>
+          </a:p>
+        </p:txBody>
+      </p:sp>
+      <p:sp>
+        <p:nvSpPr>
+          <p:cNvPr id="4" name="Content Placeholder 3">
+            <a:extLst>
+              <a:ext uri="{FF2B5EF4-FFF2-40B4-BE49-F238E27FC236}">
+                <a16:creationId xmlns:a16="http://schemas.microsoft.com/office/drawing/2014/main" id="{3770D91C-D5C0-248C-26D3-DE7C7C72E632}"/>
+              </a:ext>
+            </a:extLst>
+          </p:cNvPr>
+          <p:cNvSpPr>
+            <a:spLocks noGrp="1"/>
+          </p:cNvSpPr>
+          <p:nvPr>
+            <p:ph sz="quarter" idx="36"/>
+          </p:nvPr>
+        </p:nvSpPr>
+        <p:spPr>
+          <a:xfrm>
+            <a:off x="4927600" y="2465539"/>
+            <a:ext cx="6315069" cy="3723753"/>
+          </a:xfrm>
+        </p:spPr>
+        <p:txBody>
+          <a:bodyPr/>
+          <a:lstStyle/>
+          <a:p>
+            <a:r>
+              <a:rPr lang="en-US" dirty="0"/>
+              <a:t>Maintaining composure during the Q&amp;A session is essential for projecting confidence and authority. Consider the following tips for staying composed:</a:t>
+            </a:r>
+          </a:p>
+          <a:p>
+            <a:pPr lvl="1"/>
+            <a:r>
+              <a:rPr lang="en-US" dirty="0"/>
+              <a:t>Stay calm</a:t>
+            </a:r>
+          </a:p>
+          <a:p>
+            <a:pPr lvl="1"/>
+            <a:r>
+              <a:rPr lang="en-US" dirty="0"/>
+              <a:t>Actively listen</a:t>
+            </a:r>
+          </a:p>
+          <a:p>
+            <a:pPr lvl="1"/>
+            <a:r>
+              <a:rPr lang="en-US" dirty="0"/>
+              <a:t>Pause and reflect</a:t>
+            </a:r>
+          </a:p>
+          <a:p>
+            <a:pPr lvl="1"/>
+            <a:r>
+              <a:rPr lang="en-US" dirty="0"/>
+              <a:t>Maintain eye contact</a:t>
+            </a:r>
+          </a:p>
+        </p:txBody>
+      </p:sp>
+      <p:sp>
+        <p:nvSpPr>
+          <p:cNvPr id="5" name="Slide Number Placeholder 4">
+            <a:extLst>
+              <a:ext uri="{FF2B5EF4-FFF2-40B4-BE49-F238E27FC236}">
+                <a16:creationId xmlns:a16="http://schemas.microsoft.com/office/drawing/2014/main" id="{E87B8B6A-2B28-5C38-80E7-0EBE705FFBBF}"/>
+              </a:ext>
+            </a:extLst>
+          </p:cNvPr>
+          <p:cNvSpPr>
+            <a:spLocks noGrp="1"/>
+          </p:cNvSpPr>
+          <p:nvPr>
+            <p:ph type="sldNum" sz="quarter" idx="12"/>
+          </p:nvPr>
+        </p:nvSpPr>
+        <p:spPr>
+          <a:xfrm>
+            <a:off x="9140971" y="6226198"/>
+            <a:ext cx="2743200" cy="365125"/>
+          </a:xfrm>
+        </p:spPr>
+        <p:txBody>
+          <a:bodyPr/>
+          <a:lstStyle/>
+          <a:p>
+            <a:fld id="{FE024F78-56A6-7740-B68D-8D4D026EDF3F}" type="slidenum">
+              <a:rPr lang="en-US" smtClean="0"/>
+              <a:pPr/>
+              <a:t>14</a:t>
+            </a:fld>
+            <a:endParaRPr lang="en-US" dirty="0"/>
+          </a:p>
+        </p:txBody>
+      </p:sp>
+    </p:spTree>
+    <p:extLst>
+      <p:ext uri="{BB962C8B-B14F-4D97-AF65-F5344CB8AC3E}">
+        <p14:creationId xmlns:p14="http://schemas.microsoft.com/office/powerpoint/2010/main" val="4114781627"/>
+      </p:ext>
+    </p:extLst>
+  </p:cSld>
+  <p:clrMapOvr>
+    <a:masterClrMapping/>
+  </p:clrMapOvr>
+</p:sld>
+</file>
+
+<file path=ppt/slides/slide15.xml><?xml version="1.0" encoding="utf-8"?>
+<p:sld xmlns:a="http://schemas.openxmlformats.org/drawingml/2006/main" xmlns:r="http://schemas.openxmlformats.org/officeDocument/2006/relationships" xmlns:p="http://schemas.openxmlformats.org/presentationml/2006/main">
+  <p:cSld>
+    <p:spTree>
+      <p:nvGrpSpPr>
+        <p:cNvPr id="1" name=""/>
+        <p:cNvGrpSpPr/>
+        <p:nvPr/>
+      </p:nvGrpSpPr>
+      <p:grpSpPr>
+        <a:xfrm>
+          <a:off x="0" y="0"/>
+          <a:ext cx="0" cy="0"/>
+          <a:chOff x="0" y="0"/>
+          <a:chExt cx="0" cy="0"/>
+        </a:xfrm>
+      </p:grpSpPr>
+      <p:sp>
+        <p:nvSpPr>
+          <p:cNvPr id="2" name="Title 1">
+            <a:extLst>
+              <a:ext uri="{FF2B5EF4-FFF2-40B4-BE49-F238E27FC236}">
+                <a16:creationId xmlns:a16="http://schemas.microsoft.com/office/drawing/2014/main" id="{D543EB8B-0AB9-7554-AEEA-E8D744959E9A}"/>
+              </a:ext>
+            </a:extLst>
+          </p:cNvPr>
+          <p:cNvSpPr>
+            <a:spLocks noGrp="1"/>
+          </p:cNvSpPr>
+          <p:nvPr>
+            <p:ph type="title"/>
+          </p:nvPr>
+        </p:nvSpPr>
+        <p:spPr>
+          <a:xfrm>
+            <a:off x="6889627" y="173736"/>
+            <a:ext cx="4352662" cy="2203704"/>
+          </a:xfrm>
+        </p:spPr>
+        <p:txBody>
+          <a:bodyPr/>
+          <a:lstStyle/>
+          <a:p>
+            <a:pPr lvl="0"/>
+            <a:r>
+              <a:rPr lang="en-US" noProof="0" dirty="0"/>
+              <a:t>SPEAKING IMPACT</a:t>
+            </a:r>
+          </a:p>
+        </p:txBody>
+      </p:sp>
+      <p:pic>
+        <p:nvPicPr>
+          <p:cNvPr id="6" name="Picture Placeholder 5" descr="A blue and purple spiral">
+            <a:extLst>
+              <a:ext uri="{FF2B5EF4-FFF2-40B4-BE49-F238E27FC236}">
+                <a16:creationId xmlns:a16="http://schemas.microsoft.com/office/drawing/2014/main" id="{05B64636-376E-96D4-B550-D764B2C6A6A7}"/>
+              </a:ext>
+            </a:extLst>
+          </p:cNvPr>
+          <p:cNvPicPr>
+            <a:picLocks noGrp="1" noChangeAspect="1"/>
+          </p:cNvPicPr>
+          <p:nvPr>
+            <p:ph type="pic" sz="quarter" idx="37"/>
+          </p:nvPr>
+        </p:nvPicPr>
+        <p:blipFill rotWithShape="1">
+          <a:blip r:embed="rId3" cstate="screen">
+            <a:extLst>
+              <a:ext uri="{28A0092B-C50C-407E-A947-70E740481C1C}">
+                <a14:useLocalDpi xmlns:a14="http://schemas.microsoft.com/office/drawing/2010/main"/>
+              </a:ext>
+            </a:extLst>
+          </a:blip>
+          <a:srcRect t="202" b="202"/>
+          <a:stretch/>
+        </p:blipFill>
+        <p:spPr>
+          <a:xfrm>
+            <a:off x="336550" y="336550"/>
+            <a:ext cx="5303640" cy="6184900"/>
+          </a:xfrm>
+        </p:spPr>
+      </p:pic>
+      <p:sp>
+        <p:nvSpPr>
+          <p:cNvPr id="3" name="Content Placeholder 2">
+            <a:extLst>
+              <a:ext uri="{FF2B5EF4-FFF2-40B4-BE49-F238E27FC236}">
+                <a16:creationId xmlns:a16="http://schemas.microsoft.com/office/drawing/2014/main" id="{FB2F5F9A-B16D-CA49-7F40-A0142E41DC56}"/>
+              </a:ext>
+            </a:extLst>
+          </p:cNvPr>
+          <p:cNvSpPr>
+            <a:spLocks noGrp="1"/>
+          </p:cNvSpPr>
+          <p:nvPr>
+            <p:ph sz="quarter" idx="36"/>
+          </p:nvPr>
+        </p:nvSpPr>
+        <p:spPr>
+          <a:xfrm>
+            <a:off x="6889627" y="3104277"/>
+            <a:ext cx="4371560" cy="3022201"/>
+          </a:xfrm>
+        </p:spPr>
+        <p:txBody>
+          <a:bodyPr/>
+          <a:lstStyle/>
+          <a:p>
+            <a:r>
+              <a:rPr lang="en-US" dirty="0"/>
+              <a:t>Your ability to communicate effectively will leave a lasting impact on your audience</a:t>
+            </a:r>
+          </a:p>
+          <a:p>
+            <a:r>
+              <a:rPr lang="en-US" dirty="0"/>
+              <a:t>Effectively communicating involves not only delivering a message but also resonating with the experiences, values, and emotions of those listening </a:t>
+            </a:r>
+          </a:p>
+        </p:txBody>
+      </p:sp>
+      <p:sp>
+        <p:nvSpPr>
+          <p:cNvPr id="4" name="Slide Number Placeholder 3">
+            <a:extLst>
+              <a:ext uri="{FF2B5EF4-FFF2-40B4-BE49-F238E27FC236}">
+                <a16:creationId xmlns:a16="http://schemas.microsoft.com/office/drawing/2014/main" id="{921DB868-BEE2-49F7-9AC5-A3B143880250}"/>
+              </a:ext>
+            </a:extLst>
+          </p:cNvPr>
+          <p:cNvSpPr>
+            <a:spLocks noGrp="1"/>
+          </p:cNvSpPr>
+          <p:nvPr>
+            <p:ph type="sldNum" sz="quarter" idx="12"/>
+          </p:nvPr>
+        </p:nvSpPr>
+        <p:spPr>
+          <a:xfrm>
+            <a:off x="9140971" y="6226198"/>
+            <a:ext cx="2743200" cy="365125"/>
+          </a:xfrm>
+        </p:spPr>
+        <p:txBody>
+          <a:bodyPr/>
+          <a:lstStyle/>
+          <a:p>
+            <a:fld id="{FE024F78-56A6-7740-B68D-8D4D026EDF3F}" type="slidenum">
+              <a:rPr lang="en-US" smtClean="0"/>
+              <a:pPr/>
+              <a:t>15</a:t>
+            </a:fld>
+            <a:endParaRPr lang="en-US" dirty="0"/>
+          </a:p>
+        </p:txBody>
+      </p:sp>
+    </p:spTree>
+    <p:extLst>
+      <p:ext uri="{BB962C8B-B14F-4D97-AF65-F5344CB8AC3E}">
+        <p14:creationId xmlns:p14="http://schemas.microsoft.com/office/powerpoint/2010/main" val="910315636"/>
+      </p:ext>
+    </p:extLst>
+  </p:cSld>
+  <p:clrMapOvr>
+    <a:masterClrMapping/>
+  </p:clrMapOvr>
+</p:sld>
+</file>
+
+<file path=ppt/slides/slide16.xml><?xml version="1.0" encoding="utf-8"?>
+<p:sld xmlns:a="http://schemas.openxmlformats.org/drawingml/2006/main" xmlns:r="http://schemas.openxmlformats.org/officeDocument/2006/relationships" xmlns:p="http://schemas.openxmlformats.org/presentationml/2006/main">
+  <p:cSld>
+    <p:spTree>
+      <p:nvGrpSpPr>
+        <p:cNvPr id="1" name=""/>
+        <p:cNvGrpSpPr/>
+        <p:nvPr/>
+      </p:nvGrpSpPr>
+      <p:grpSpPr>
+        <a:xfrm>
+          <a:off x="0" y="0"/>
+          <a:ext cx="0" cy="0"/>
+          <a:chOff x="0" y="0"/>
+          <a:chExt cx="0" cy="0"/>
+        </a:xfrm>
+      </p:grpSpPr>
+      <p:sp>
+        <p:nvSpPr>
           <p:cNvPr id="3" name="Title 2">
             <a:extLst>
               <a:ext uri="{FF2B5EF4-FFF2-40B4-BE49-F238E27FC236}">
@@ -12970,9 +14490,36 @@
 </p:sld>
 </file>
 
-<file path=ppt/slides/slide11.xml><?xml version="1.0" encoding="utf-8"?>
+<file path=ppt/slides/slide17.xml><?xml version="1.0" encoding="utf-8"?>
 <p:sld xmlns:a="http://schemas.openxmlformats.org/drawingml/2006/main" xmlns:r="http://schemas.openxmlformats.org/officeDocument/2006/relationships" xmlns:p="http://schemas.openxmlformats.org/presentationml/2006/main">
   <p:cSld>
+    <p:bg>
+      <p:bgPr>
+        <a:gradFill>
+          <a:gsLst>
+            <a:gs pos="100000">
+              <a:schemeClr val="tx2"/>
+            </a:gs>
+            <a:gs pos="79000">
+              <a:schemeClr val="accent6"/>
+            </a:gs>
+            <a:gs pos="31000">
+              <a:srgbClr val="02090E"/>
+            </a:gs>
+            <a:gs pos="14000">
+              <a:schemeClr val="accent4">
+                <a:lumMod val="75000"/>
+              </a:schemeClr>
+            </a:gs>
+            <a:gs pos="0">
+              <a:schemeClr val="accent4"/>
+            </a:gs>
+          </a:gsLst>
+          <a:lin ang="5400000" scaled="0"/>
+        </a:gradFill>
+        <a:effectLst/>
+      </p:bgPr>
+    </p:bg>
     <p:spTree>
       <p:nvGrpSpPr>
         <p:cNvPr id="1" name=""/>
@@ -12987,181 +14534,40 @@
           <a:chExt cx="0" cy="0"/>
         </a:xfrm>
       </p:grpSpPr>
-      <p:sp>
-        <p:nvSpPr>
-          <p:cNvPr id="2" name="Title 1">
+      <p:pic>
+        <p:nvPicPr>
+          <p:cNvPr id="8" name="Picture Placeholder 7" descr="A blue and purple spirals">
             <a:extLst>
               <a:ext uri="{FF2B5EF4-FFF2-40B4-BE49-F238E27FC236}">
-                <a16:creationId xmlns:a16="http://schemas.microsoft.com/office/drawing/2014/main" id="{A2DE810E-8E37-1D8A-245B-020E4E4C0B9F}"/>
+                <a16:creationId xmlns:a16="http://schemas.microsoft.com/office/drawing/2014/main" id="{E1DBD4C7-D952-4426-40FD-8799F80F821F}"/>
               </a:ext>
             </a:extLst>
           </p:cNvPr>
-          <p:cNvSpPr>
-            <a:spLocks noGrp="1"/>
-          </p:cNvSpPr>
+          <p:cNvPicPr>
+            <a:picLocks noGrp="1" noChangeAspect="1"/>
+          </p:cNvPicPr>
           <p:nvPr>
-            <p:ph type="title"/>
+            <p:ph type="pic" sz="quarter" idx="13"/>
           </p:nvPr>
-        </p:nvSpPr>
+        </p:nvPicPr>
+        <p:blipFill>
+          <a:blip r:embed="rId3"/>
+          <a:srcRect t="31" b="31"/>
+          <a:stretch/>
+        </p:blipFill>
         <p:spPr>
           <a:xfrm>
-            <a:off x="733562" y="433906"/>
-            <a:ext cx="10515601" cy="1327464"/>
+            <a:off x="6497638" y="336550"/>
+            <a:ext cx="5322887" cy="6184900"/>
           </a:xfrm>
         </p:spPr>
-        <p:txBody>
-          <a:bodyPr/>
-          <a:lstStyle/>
-          <a:p>
-            <a:r>
-              <a:rPr lang="en-US" dirty="0"/>
-              <a:t>FINAL TIPS &amp; TAKEAWAYS</a:t>
-            </a:r>
-          </a:p>
-        </p:txBody>
-      </p:sp>
-      <p:sp>
-        <p:nvSpPr>
-          <p:cNvPr id="3" name="Content Placeholder 2">
-            <a:extLst>
-              <a:ext uri="{FF2B5EF4-FFF2-40B4-BE49-F238E27FC236}">
-                <a16:creationId xmlns:a16="http://schemas.microsoft.com/office/drawing/2014/main" id="{7D7CECA3-144C-CD4B-9246-81B4F2E65466}"/>
-              </a:ext>
-            </a:extLst>
-          </p:cNvPr>
-          <p:cNvSpPr>
-            <a:spLocks noGrp="1"/>
-          </p:cNvSpPr>
-          <p:nvPr>
-            <p:ph sz="quarter" idx="36"/>
-          </p:nvPr>
-        </p:nvSpPr>
-        <p:spPr>
-          <a:xfrm>
-            <a:off x="814302" y="2465535"/>
-            <a:ext cx="7303538" cy="3427265"/>
-          </a:xfrm>
-        </p:spPr>
-        <p:txBody>
-          <a:bodyPr/>
-          <a:lstStyle/>
-          <a:p>
-            <a:r>
-              <a:rPr lang="en-US" dirty="0"/>
-              <a:t>Consistent rehearsal</a:t>
-            </a:r>
-          </a:p>
-          <a:p>
-            <a:pPr lvl="1"/>
-            <a:r>
-              <a:rPr lang="en-US" dirty="0"/>
-              <a:t>Strengthen your familiarity</a:t>
-            </a:r>
-          </a:p>
-          <a:p>
-            <a:r>
-              <a:rPr lang="en-US" dirty="0"/>
-              <a:t>Refine delivery style</a:t>
-            </a:r>
-          </a:p>
-          <a:p>
-            <a:pPr lvl="1"/>
-            <a:r>
-              <a:rPr lang="en-US" dirty="0"/>
-              <a:t>Pacing, tone, and emphasis</a:t>
-            </a:r>
-          </a:p>
-          <a:p>
-            <a:r>
-              <a:rPr lang="en-US" dirty="0"/>
-              <a:t>Timing and transitions</a:t>
-            </a:r>
-          </a:p>
-          <a:p>
-            <a:pPr lvl="1"/>
-            <a:r>
-              <a:rPr lang="en-US" dirty="0"/>
-              <a:t>Aim for seamless, professional delivery</a:t>
-            </a:r>
-          </a:p>
-          <a:p>
-            <a:r>
-              <a:rPr lang="en-US" dirty="0"/>
-              <a:t>Practice audience</a:t>
-            </a:r>
-          </a:p>
-          <a:p>
-            <a:pPr lvl="1"/>
-            <a:r>
-              <a:rPr lang="en-US" dirty="0"/>
-              <a:t>Enlist colleagues to listen &amp; provide feedback</a:t>
-            </a:r>
-          </a:p>
-        </p:txBody>
-      </p:sp>
-      <p:sp>
-        <p:nvSpPr>
-          <p:cNvPr id="5" name="Content Placeholder 4">
-            <a:extLst>
-              <a:ext uri="{FF2B5EF4-FFF2-40B4-BE49-F238E27FC236}">
-                <a16:creationId xmlns:a16="http://schemas.microsoft.com/office/drawing/2014/main" id="{A33D1544-95D3-8A05-6E1B-C08C307C55D4}"/>
-              </a:ext>
-            </a:extLst>
-          </p:cNvPr>
-          <p:cNvSpPr>
-            <a:spLocks noGrp="1"/>
-          </p:cNvSpPr>
-          <p:nvPr>
-            <p:ph sz="quarter" idx="37"/>
-          </p:nvPr>
-        </p:nvSpPr>
-        <p:spPr>
-          <a:xfrm>
-            <a:off x="8392160" y="2465388"/>
-            <a:ext cx="2856865" cy="3427412"/>
-          </a:xfrm>
-        </p:spPr>
-        <p:txBody>
-          <a:bodyPr/>
-          <a:lstStyle/>
-          <a:p>
-            <a:r>
-              <a:rPr lang="en-US" dirty="0"/>
-              <a:t>Seek feedback</a:t>
-            </a:r>
-          </a:p>
-          <a:p>
-            <a:r>
-              <a:rPr lang="en-US" dirty="0"/>
-              <a:t>Reflect on performance</a:t>
-            </a:r>
-          </a:p>
-          <a:p>
-            <a:r>
-              <a:rPr lang="en-US" dirty="0"/>
-              <a:t>Explore new techniques</a:t>
-            </a:r>
-          </a:p>
-          <a:p>
-            <a:r>
-              <a:rPr lang="en-US" dirty="0"/>
-              <a:t>Set personal goals</a:t>
-            </a:r>
-          </a:p>
-          <a:p>
-            <a:r>
-              <a:rPr lang="en-US" dirty="0"/>
-              <a:t>Iterate and adapt</a:t>
-            </a:r>
-          </a:p>
-        </p:txBody>
-      </p:sp>
+      </p:pic>
       <p:sp>
         <p:nvSpPr>
           <p:cNvPr id="4" name="Slide Number Placeholder 3">
             <a:extLst>
               <a:ext uri="{FF2B5EF4-FFF2-40B4-BE49-F238E27FC236}">
-                <a16:creationId xmlns:a16="http://schemas.microsoft.com/office/drawing/2014/main" id="{FD1E69EA-A9E8-C521-7C62-DA1F24879918}"/>
+                <a16:creationId xmlns:a16="http://schemas.microsoft.com/office/drawing/2014/main" id="{67D6EA54-3083-FB0D-9011-2353791B0495}"/>
               </a:ext>
             </a:extLst>
           </p:cNvPr>
@@ -13185,7 +14591,7 @@
             <a:fld id="{FE024F78-56A6-7740-B68D-8D4D026EDF3F}" type="slidenum">
               <a:rPr lang="en-US" smtClean="0"/>
               <a:pPr/>
-              <a:t>11</a:t>
+              <a:t>17</a:t>
             </a:fld>
             <a:endParaRPr lang="en-US" dirty="0"/>
           </a:p>
@@ -13194,7 +14600,7 @@
     </p:spTree>
     <p:extLst>
       <p:ext uri="{BB962C8B-B14F-4D97-AF65-F5344CB8AC3E}">
-        <p14:creationId xmlns:p14="http://schemas.microsoft.com/office/powerpoint/2010/main" val="79695288"/>
+        <p14:creationId xmlns:p14="http://schemas.microsoft.com/office/powerpoint/2010/main" val="598144966"/>
       </p:ext>
     </p:extLst>
   </p:cSld>
@@ -13204,7 +14610,7 @@
 </p:sld>
 </file>
 
-<file path=ppt/slides/slide12.xml><?xml version="1.0" encoding="utf-8"?>
+<file path=ppt/slides/slide18.xml><?xml version="1.0" encoding="utf-8"?>
 <p:sld xmlns:a="http://schemas.openxmlformats.org/drawingml/2006/main" xmlns:r="http://schemas.openxmlformats.org/officeDocument/2006/relationships" xmlns:p="http://schemas.openxmlformats.org/presentationml/2006/main">
   <p:cSld>
     <p:spTree>
@@ -13730,7 +15136,7 @@
             <a:fld id="{FE024F78-56A6-7740-B68D-8D4D026EDF3F}" type="slidenum">
               <a:rPr lang="en-US" smtClean="0"/>
               <a:pPr/>
-              <a:t>12</a:t>
+              <a:t>18</a:t>
             </a:fld>
             <a:endParaRPr lang="en-US" dirty="0"/>
           </a:p>
@@ -13749,7 +15155,7 @@
 </p:sld>
 </file>
 
-<file path=ppt/slides/slide13.xml><?xml version="1.0" encoding="utf-8"?>
+<file path=ppt/slides/slide19.xml><?xml version="1.0" encoding="utf-8"?>
 <p:sld xmlns:a="http://schemas.openxmlformats.org/drawingml/2006/main" xmlns:r="http://schemas.openxmlformats.org/officeDocument/2006/relationships" xmlns:p="http://schemas.openxmlformats.org/presentationml/2006/main">
   <p:cSld>
     <p:bg>
@@ -14649,33 +16055,6 @@
 <file path=ppt/slides/slide4.xml><?xml version="1.0" encoding="utf-8"?>
 <p:sld xmlns:a="http://schemas.openxmlformats.org/drawingml/2006/main" xmlns:r="http://schemas.openxmlformats.org/officeDocument/2006/relationships" xmlns:p="http://schemas.openxmlformats.org/presentationml/2006/main">
   <p:cSld>
-    <p:bg>
-      <p:bgPr>
-        <a:gradFill>
-          <a:gsLst>
-            <a:gs pos="100000">
-              <a:schemeClr val="tx2"/>
-            </a:gs>
-            <a:gs pos="79000">
-              <a:schemeClr val="accent6"/>
-            </a:gs>
-            <a:gs pos="31000">
-              <a:srgbClr val="02090E"/>
-            </a:gs>
-            <a:gs pos="14000">
-              <a:schemeClr val="accent4">
-                <a:lumMod val="75000"/>
-              </a:schemeClr>
-            </a:gs>
-            <a:gs pos="0">
-              <a:schemeClr val="accent4"/>
-            </a:gs>
-          </a:gsLst>
-          <a:lin ang="5400000" scaled="0"/>
-        </a:gradFill>
-        <a:effectLst/>
-      </p:bgPr>
-    </p:bg>
     <p:spTree>
       <p:nvGrpSpPr>
         <p:cNvPr id="1" name=""/>
@@ -14690,40 +16069,156 @@
           <a:chExt cx="0" cy="0"/>
         </a:xfrm>
       </p:grpSpPr>
-      <p:pic>
-        <p:nvPicPr>
-          <p:cNvPr id="8" name="Picture Placeholder 7" descr="A blue and purple spirals">
+      <p:sp>
+        <p:nvSpPr>
+          <p:cNvPr id="2" name="Title 1">
             <a:extLst>
               <a:ext uri="{FF2B5EF4-FFF2-40B4-BE49-F238E27FC236}">
-                <a16:creationId xmlns:a16="http://schemas.microsoft.com/office/drawing/2014/main" id="{E1DBD4C7-D952-4426-40FD-8799F80F821F}"/>
+                <a16:creationId xmlns:a16="http://schemas.microsoft.com/office/drawing/2014/main" id="{6CCA29A4-AAFD-04EE-0732-0671E83D5EF1}"/>
               </a:ext>
             </a:extLst>
           </p:cNvPr>
-          <p:cNvPicPr>
-            <a:picLocks noGrp="1" noChangeAspect="1"/>
-          </p:cNvPicPr>
+          <p:cNvSpPr>
+            <a:spLocks noGrp="1"/>
+          </p:cNvSpPr>
           <p:nvPr>
-            <p:ph type="pic" sz="quarter" idx="13"/>
+            <p:ph type="title"/>
           </p:nvPr>
-        </p:nvPicPr>
-        <p:blipFill>
-          <a:blip r:embed="rId3"/>
-          <a:srcRect t="31" b="31"/>
-          <a:stretch/>
-        </p:blipFill>
+        </p:nvSpPr>
         <p:spPr>
           <a:xfrm>
-            <a:off x="6497638" y="336550"/>
-            <a:ext cx="5322887" cy="6184900"/>
+            <a:off x="2399620" y="162560"/>
+            <a:ext cx="8843050" cy="1616904"/>
           </a:xfrm>
         </p:spPr>
-      </p:pic>
+        <p:txBody>
+          <a:bodyPr/>
+          <a:lstStyle/>
+          <a:p>
+            <a:r>
+              <a:rPr lang="en-US" dirty="0"/>
+              <a:t>Steps</a:t>
+            </a:r>
+          </a:p>
+        </p:txBody>
+      </p:sp>
       <p:sp>
         <p:nvSpPr>
-          <p:cNvPr id="4" name="Slide Number Placeholder 3">
+          <p:cNvPr id="3" name="Content Placeholder 2">
             <a:extLst>
               <a:ext uri="{FF2B5EF4-FFF2-40B4-BE49-F238E27FC236}">
-                <a16:creationId xmlns:a16="http://schemas.microsoft.com/office/drawing/2014/main" id="{67D6EA54-3083-FB0D-9011-2353791B0495}"/>
+                <a16:creationId xmlns:a16="http://schemas.microsoft.com/office/drawing/2014/main" id="{F09FEE91-E849-1CB0-9E51-A58B99C631C5}"/>
+              </a:ext>
+            </a:extLst>
+          </p:cNvPr>
+          <p:cNvSpPr>
+            <a:spLocks noGrp="1"/>
+          </p:cNvSpPr>
+          <p:nvPr>
+            <p:ph sz="quarter" idx="35"/>
+          </p:nvPr>
+        </p:nvSpPr>
+        <p:spPr>
+          <a:xfrm>
+            <a:off x="2373002" y="2474811"/>
+            <a:ext cx="8843050" cy="3528397"/>
+          </a:xfrm>
+        </p:spPr>
+        <p:txBody>
+          <a:bodyPr/>
+          <a:lstStyle/>
+          <a:p>
+            <a:pPr marL="342900" lvl="1" indent="-342900">
+              <a:buFont typeface="+mj-lt"/>
+              <a:buAutoNum type="arabicPeriod"/>
+            </a:pPr>
+            <a:r>
+              <a:rPr lang="en-US" dirty="0">
+                <a:solidFill>
+                  <a:schemeClr val="accent3"/>
+                </a:solidFill>
+              </a:rPr>
+              <a:t>Find datasets and decide what stats we need</a:t>
+            </a:r>
+          </a:p>
+          <a:p>
+            <a:pPr marL="342900" lvl="1" indent="-342900">
+              <a:buFont typeface="+mj-lt"/>
+              <a:buAutoNum type="arabicPeriod"/>
+            </a:pPr>
+            <a:r>
+              <a:rPr lang="en-US" dirty="0">
+                <a:solidFill>
+                  <a:schemeClr val="accent3"/>
+                </a:solidFill>
+              </a:rPr>
+              <a:t>Clean and merge datasets</a:t>
+            </a:r>
+          </a:p>
+          <a:p>
+            <a:pPr marL="342900" lvl="1" indent="-342900">
+              <a:buFont typeface="+mj-lt"/>
+              <a:buAutoNum type="arabicPeriod"/>
+            </a:pPr>
+            <a:r>
+              <a:rPr lang="en-US" dirty="0">
+                <a:solidFill>
+                  <a:schemeClr val="accent3"/>
+                </a:solidFill>
+              </a:rPr>
+              <a:t>Create SQL database to house cleaned dataset</a:t>
+            </a:r>
+          </a:p>
+          <a:p>
+            <a:pPr marL="342900" lvl="1" indent="-342900">
+              <a:buFont typeface="+mj-lt"/>
+              <a:buAutoNum type="arabicPeriod"/>
+            </a:pPr>
+            <a:r>
+              <a:rPr lang="en-US" dirty="0">
+                <a:solidFill>
+                  <a:schemeClr val="accent3"/>
+                </a:solidFill>
+              </a:rPr>
+              <a:t>Create and run machine learning models</a:t>
+            </a:r>
+          </a:p>
+          <a:p>
+            <a:pPr marL="342900" lvl="1" indent="-342900">
+              <a:buFont typeface="+mj-lt"/>
+              <a:buAutoNum type="arabicPeriod"/>
+            </a:pPr>
+            <a:r>
+              <a:rPr lang="en-US" dirty="0">
+                <a:solidFill>
+                  <a:schemeClr val="accent3"/>
+                </a:solidFill>
+              </a:rPr>
+              <a:t>Analyze results and change parameters of models to boost performance</a:t>
+            </a:r>
+          </a:p>
+          <a:p>
+            <a:pPr marL="342900" lvl="1" indent="-342900">
+              <a:buFont typeface="+mj-lt"/>
+              <a:buAutoNum type="arabicPeriod"/>
+            </a:pPr>
+            <a:r>
+              <a:rPr lang="en-US" dirty="0">
+                <a:solidFill>
+                  <a:schemeClr val="accent3"/>
+                </a:solidFill>
+              </a:rPr>
+              <a:t>Create visualizations to show results</a:t>
+            </a:r>
+          </a:p>
+        </p:txBody>
+      </p:sp>
+      <p:sp>
+        <p:nvSpPr>
+          <p:cNvPr id="5" name="Slide Number Placeholder 4">
+            <a:extLst>
+              <a:ext uri="{FF2B5EF4-FFF2-40B4-BE49-F238E27FC236}">
+                <a16:creationId xmlns:a16="http://schemas.microsoft.com/office/drawing/2014/main" id="{23E23533-91C6-420C-B7D7-4977ACF73ACF}"/>
               </a:ext>
             </a:extLst>
           </p:cNvPr>
@@ -14756,7 +16251,7 @@
     </p:spTree>
     <p:extLst>
       <p:ext uri="{BB962C8B-B14F-4D97-AF65-F5344CB8AC3E}">
-        <p14:creationId xmlns:p14="http://schemas.microsoft.com/office/powerpoint/2010/main" val="598144966"/>
+        <p14:creationId xmlns:p14="http://schemas.microsoft.com/office/powerpoint/2010/main" val="1073601555"/>
       </p:ext>
     </p:extLst>
   </p:cSld>
@@ -14788,7 +16283,7 @@
           <p:cNvPr id="2" name="Title 1">
             <a:extLst>
               <a:ext uri="{FF2B5EF4-FFF2-40B4-BE49-F238E27FC236}">
-                <a16:creationId xmlns:a16="http://schemas.microsoft.com/office/drawing/2014/main" id="{E117F7C5-CBA2-9823-0CBA-5BD773998046}"/>
+                <a16:creationId xmlns:a16="http://schemas.microsoft.com/office/drawing/2014/main" id="{6CCA29A4-AAFD-04EE-0732-0671E83D5EF1}"/>
               </a:ext>
             </a:extLst>
           </p:cNvPr>
@@ -14801,8 +16296,8 @@
         </p:nvSpPr>
         <p:spPr>
           <a:xfrm>
-            <a:off x="321869" y="579120"/>
-            <a:ext cx="11548261" cy="2733306"/>
+            <a:off x="2399620" y="162560"/>
+            <a:ext cx="8843050" cy="1616904"/>
           </a:xfrm>
         </p:spPr>
         <p:txBody>
@@ -14811,17 +16306,17 @@
           <a:p>
             <a:r>
               <a:rPr lang="en-US" dirty="0"/>
-              <a:t>The Power of</a:t>
+              <a:t>Finding, cleaning and merging datasets</a:t>
             </a:r>
           </a:p>
         </p:txBody>
       </p:sp>
       <p:sp>
         <p:nvSpPr>
-          <p:cNvPr id="4" name="Subtitle 3">
+          <p:cNvPr id="3" name="Content Placeholder 2">
             <a:extLst>
               <a:ext uri="{FF2B5EF4-FFF2-40B4-BE49-F238E27FC236}">
-                <a16:creationId xmlns:a16="http://schemas.microsoft.com/office/drawing/2014/main" id="{260D053B-A40A-3228-B6D5-3371B9EE2E56}"/>
+                <a16:creationId xmlns:a16="http://schemas.microsoft.com/office/drawing/2014/main" id="{F09FEE91-E849-1CB0-9E51-A58B99C631C5}"/>
               </a:ext>
             </a:extLst>
           </p:cNvPr>
@@ -14829,32 +16324,59 @@
             <a:spLocks noGrp="1"/>
           </p:cNvSpPr>
           <p:nvPr>
-            <p:ph type="subTitle" idx="1"/>
+            <p:ph sz="quarter" idx="35"/>
           </p:nvPr>
         </p:nvSpPr>
         <p:spPr>
           <a:xfrm>
-            <a:off x="321868" y="3484615"/>
-            <a:ext cx="11562303" cy="2387865"/>
+            <a:off x="2373002" y="2474811"/>
+            <a:ext cx="8691238" cy="3528397"/>
           </a:xfrm>
         </p:spPr>
         <p:txBody>
           <a:bodyPr/>
           <a:lstStyle/>
           <a:p>
+            <a:pPr marL="285750" indent="-285750">
+              <a:buFont typeface="Arial" panose="020B0604020202020204" pitchFamily="34" charset="0"/>
+              <a:buChar char="•"/>
+            </a:pPr>
             <a:r>
               <a:rPr lang="en-US" dirty="0"/>
-              <a:t>Communication</a:t>
-            </a:r>
+              <a:t>This step took us a significant portion of time because as we went along, we found new stats that could be helpful in making our model more accurate and would need to find the data needed and merge these datasets together</a:t>
+            </a:r>
+          </a:p>
+          <a:p>
+            <a:pPr marL="285750" indent="-285750">
+              <a:buFont typeface="Arial" panose="020B0604020202020204" pitchFamily="34" charset="0"/>
+              <a:buChar char="•"/>
+            </a:pPr>
+            <a:r>
+              <a:rPr lang="en-US" dirty="0"/>
+              <a:t>We used Baseball-Reference to acquire many end-of-season statistics for MLB players who played more than 80 games, such as hits, batting average, wins-above-replacement (WAR), and the final standings for their team at the end of the season</a:t>
+            </a:r>
+          </a:p>
+          <a:p>
+            <a:pPr marL="285750" indent="-285750">
+              <a:buFont typeface="Arial" panose="020B0604020202020204" pitchFamily="34" charset="0"/>
+              <a:buChar char="•"/>
+            </a:pPr>
+            <a:r>
+              <a:rPr lang="en-US" dirty="0"/>
+              <a:t>We used Pandas to clean and merge our datasets</a:t>
+            </a:r>
+          </a:p>
+          <a:p>
+            <a:endParaRPr lang="en-US" dirty="0"/>
           </a:p>
         </p:txBody>
       </p:sp>
       <p:sp>
         <p:nvSpPr>
-          <p:cNvPr id="3" name="Slide Number Placeholder 2">
+          <p:cNvPr id="5" name="Slide Number Placeholder 4">
             <a:extLst>
               <a:ext uri="{FF2B5EF4-FFF2-40B4-BE49-F238E27FC236}">
-                <a16:creationId xmlns:a16="http://schemas.microsoft.com/office/drawing/2014/main" id="{A6A971A9-0C5C-DDFC-67F9-2E5A55F12F67}"/>
+                <a16:creationId xmlns:a16="http://schemas.microsoft.com/office/drawing/2014/main" id="{23E23533-91C6-420C-B7D7-4977ACF73ACF}"/>
               </a:ext>
             </a:extLst>
           </p:cNvPr>
@@ -14887,7 +16409,7 @@
     </p:spTree>
     <p:extLst>
       <p:ext uri="{BB962C8B-B14F-4D97-AF65-F5344CB8AC3E}">
-        <p14:creationId xmlns:p14="http://schemas.microsoft.com/office/powerpoint/2010/main" val="1397193754"/>
+        <p14:creationId xmlns:p14="http://schemas.microsoft.com/office/powerpoint/2010/main" val="3023323177"/>
       </p:ext>
     </p:extLst>
   </p:cSld>
@@ -14916,69 +16438,10 @@
       </p:grpSpPr>
       <p:sp>
         <p:nvSpPr>
-          <p:cNvPr id="3" name="Rectangle 2" hidden="1">
+          <p:cNvPr id="2" name="Title 1">
             <a:extLst>
               <a:ext uri="{FF2B5EF4-FFF2-40B4-BE49-F238E27FC236}">
-                <a16:creationId xmlns:a16="http://schemas.microsoft.com/office/drawing/2014/main" id="{8692FC88-DAD7-F5AD-7831-DE54322108F6}"/>
-              </a:ext>
-              <a:ext uri="{C183D7F6-B498-43B3-948B-1728B52AA6E4}">
-                <adec:decorative xmlns:adec="http://schemas.microsoft.com/office/drawing/2017/decorative" val="1"/>
-              </a:ext>
-            </a:extLst>
-          </p:cNvPr>
-          <p:cNvSpPr/>
-          <p:nvPr/>
-        </p:nvSpPr>
-        <p:spPr>
-          <a:xfrm>
-            <a:off x="1" y="2"/>
-            <a:ext cx="12227942" cy="6857997"/>
-          </a:xfrm>
-          <a:prstGeom prst="rect">
-            <a:avLst/>
-          </a:prstGeom>
-          <a:solidFill>
-            <a:schemeClr val="tx1">
-              <a:alpha val="70000"/>
-            </a:schemeClr>
-          </a:solidFill>
-          <a:ln>
-            <a:noFill/>
-          </a:ln>
-        </p:spPr>
-        <p:style>
-          <a:lnRef idx="2">
-            <a:schemeClr val="accent1">
-              <a:shade val="50000"/>
-            </a:schemeClr>
-          </a:lnRef>
-          <a:fillRef idx="1">
-            <a:schemeClr val="accent1"/>
-          </a:fillRef>
-          <a:effectRef idx="0">
-            <a:schemeClr val="accent1"/>
-          </a:effectRef>
-          <a:fontRef idx="minor">
-            <a:schemeClr val="lt1"/>
-          </a:fontRef>
-        </p:style>
-        <p:txBody>
-          <a:bodyPr rtlCol="0" anchor="ctr">
-            <a:noAutofit/>
-          </a:bodyPr>
-          <a:lstStyle/>
-          <a:p>
-            <a:pPr algn="ctr"/>
-            <a:endParaRPr lang="en-US" dirty="0"/>
-          </a:p>
-        </p:txBody>
-      </p:sp>
-      <p:sp>
-        <p:nvSpPr>
-          <p:cNvPr id="9" name="Title 1">
-            <a:extLst>
-              <a:ext uri="{FF2B5EF4-FFF2-40B4-BE49-F238E27FC236}">
-                <a16:creationId xmlns:a16="http://schemas.microsoft.com/office/drawing/2014/main" id="{0FD6A3FE-1BF6-4C1A-0553-EBD497A69F2D}"/>
+                <a16:creationId xmlns:a16="http://schemas.microsoft.com/office/drawing/2014/main" id="{6CCA29A4-AAFD-04EE-0732-0671E83D5EF1}"/>
               </a:ext>
             </a:extLst>
           </p:cNvPr>
@@ -14991,34 +16454,35 @@
         </p:nvSpPr>
         <p:spPr>
           <a:xfrm>
-            <a:off x="2932448" y="264160"/>
-            <a:ext cx="6327105" cy="3373973"/>
+            <a:off x="2399620" y="162560"/>
+            <a:ext cx="8843050" cy="1616904"/>
           </a:xfrm>
         </p:spPr>
         <p:txBody>
-          <a:bodyPr anchor="b"/>
+          <a:bodyPr/>
           <a:lstStyle/>
           <a:p>
             <a:r>
               <a:rPr lang="en-US" dirty="0"/>
-              <a:t>SELECTING</a:t>
-            </a:r>
-            <a:br>
+              <a:t>Creating a </a:t>
+            </a:r>
+            <a:r>
+              <a:rPr lang="en-US" dirty="0" err="1"/>
+              <a:t>sql</a:t>
+            </a:r>
+            <a:r>
               <a:rPr lang="en-US" dirty="0"/>
-            </a:br>
-            <a:r>
-              <a:rPr lang="en-US" dirty="0"/>
-              <a:t>VISUAL AIDS</a:t>
+              <a:t> database</a:t>
             </a:r>
           </a:p>
         </p:txBody>
       </p:sp>
       <p:sp>
         <p:nvSpPr>
-          <p:cNvPr id="6" name="Subtitle 5">
+          <p:cNvPr id="3" name="Content Placeholder 2">
             <a:extLst>
               <a:ext uri="{FF2B5EF4-FFF2-40B4-BE49-F238E27FC236}">
-                <a16:creationId xmlns:a16="http://schemas.microsoft.com/office/drawing/2014/main" id="{C15774B0-D971-67D7-27EB-FDB82B3A58CD}"/>
+                <a16:creationId xmlns:a16="http://schemas.microsoft.com/office/drawing/2014/main" id="{F09FEE91-E849-1CB0-9E51-A58B99C631C5}"/>
               </a:ext>
             </a:extLst>
           </p:cNvPr>
@@ -15026,30 +16490,100 @@
             <a:spLocks noGrp="1"/>
           </p:cNvSpPr>
           <p:nvPr>
-            <p:ph type="subTitle" idx="1"/>
+            <p:ph sz="quarter" idx="35"/>
           </p:nvPr>
         </p:nvSpPr>
         <p:spPr>
           <a:xfrm>
-            <a:off x="2932448" y="3962135"/>
-            <a:ext cx="6327105" cy="2653771"/>
+            <a:off x="2373002" y="2474811"/>
+            <a:ext cx="8691238" cy="3528397"/>
           </a:xfrm>
         </p:spPr>
         <p:txBody>
           <a:bodyPr/>
           <a:lstStyle/>
           <a:p>
+            <a:pPr marL="285750" indent="-285750">
+              <a:buFont typeface="Arial" panose="020B0604020202020204" pitchFamily="34" charset="0"/>
+              <a:buChar char="•"/>
+            </a:pPr>
             <a:r>
               <a:rPr lang="en-US" dirty="0"/>
-              <a:t>ENHANCING YOUR PRESENTATION</a:t>
-            </a:r>
+              <a:t>We used </a:t>
+            </a:r>
+            <a:r>
+              <a:rPr lang="en-US" dirty="0" err="1"/>
+              <a:t>pgAdmin</a:t>
+            </a:r>
+            <a:r>
+              <a:rPr lang="en-US" dirty="0"/>
+              <a:t> and created a database to hold our cleaned dataset</a:t>
+            </a:r>
+          </a:p>
+          <a:p>
+            <a:pPr marL="285750" indent="-285750">
+              <a:buFont typeface="Arial" panose="020B0604020202020204" pitchFamily="34" charset="0"/>
+              <a:buChar char="•"/>
+            </a:pPr>
+            <a:r>
+              <a:rPr lang="en-US" dirty="0"/>
+              <a:t>We wrote a schema to create the table to house the data</a:t>
+            </a:r>
+          </a:p>
+          <a:p>
+            <a:pPr marL="285750" indent="-285750">
+              <a:buFont typeface="Arial" panose="020B0604020202020204" pitchFamily="34" charset="0"/>
+              <a:buChar char="•"/>
+            </a:pPr>
+            <a:r>
+              <a:rPr lang="en-US" dirty="0"/>
+              <a:t>We then imported the data into SQL</a:t>
+            </a:r>
+          </a:p>
+          <a:p>
+            <a:endParaRPr lang="en-US" dirty="0"/>
+          </a:p>
+        </p:txBody>
+      </p:sp>
+      <p:sp>
+        <p:nvSpPr>
+          <p:cNvPr id="5" name="Slide Number Placeholder 4">
+            <a:extLst>
+              <a:ext uri="{FF2B5EF4-FFF2-40B4-BE49-F238E27FC236}">
+                <a16:creationId xmlns:a16="http://schemas.microsoft.com/office/drawing/2014/main" id="{23E23533-91C6-420C-B7D7-4977ACF73ACF}"/>
+              </a:ext>
+            </a:extLst>
+          </p:cNvPr>
+          <p:cNvSpPr>
+            <a:spLocks noGrp="1"/>
+          </p:cNvSpPr>
+          <p:nvPr>
+            <p:ph type="sldNum" sz="quarter" idx="12"/>
+          </p:nvPr>
+        </p:nvSpPr>
+        <p:spPr>
+          <a:xfrm>
+            <a:off x="9140971" y="6226198"/>
+            <a:ext cx="2743200" cy="365125"/>
+          </a:xfrm>
+        </p:spPr>
+        <p:txBody>
+          <a:bodyPr/>
+          <a:lstStyle/>
+          <a:p>
+            <a:fld id="{FE024F78-56A6-7740-B68D-8D4D026EDF3F}" type="slidenum">
+              <a:rPr lang="en-US" smtClean="0"/>
+              <a:pPr/>
+              <a:t>6</a:t>
+            </a:fld>
+            <a:endParaRPr lang="en-US" dirty="0"/>
           </a:p>
         </p:txBody>
       </p:sp>
     </p:spTree>
     <p:extLst>
       <p:ext uri="{BB962C8B-B14F-4D97-AF65-F5344CB8AC3E}">
-        <p14:creationId xmlns:p14="http://schemas.microsoft.com/office/powerpoint/2010/main" val="1330733909"/>
+        <p14:creationId xmlns:p14="http://schemas.microsoft.com/office/powerpoint/2010/main" val="823684188"/>
       </p:ext>
     </p:extLst>
   </p:cSld>
@@ -15104,7 +16638,18 @@
           <a:p>
             <a:r>
               <a:rPr lang="en-US" dirty="0"/>
-              <a:t>EFFECTIVE DELIVERY TECHNIQUES</a:t>
+              <a:t>Creating, running and upgrading </a:t>
+            </a:r>
+            <a:br>
+              <a:rPr lang="en-US" dirty="0"/>
+            </a:br>
+            <a:r>
+              <a:rPr lang="en-US" dirty="0" err="1"/>
+              <a:t>Ml</a:t>
+            </a:r>
+            <a:r>
+              <a:rPr lang="en-US" dirty="0"/>
+              <a:t> models</a:t>
             </a:r>
           </a:p>
         </p:txBody>
@@ -15128,99 +16673,77 @@
         <p:spPr>
           <a:xfrm>
             <a:off x="2373002" y="2474811"/>
-            <a:ext cx="4015098" cy="3528397"/>
+            <a:ext cx="8691238" cy="3528397"/>
           </a:xfrm>
         </p:spPr>
         <p:txBody>
           <a:bodyPr/>
           <a:lstStyle/>
           <a:p>
+            <a:pPr marL="285750" indent="-285750">
+              <a:buFont typeface="Arial" panose="020B0604020202020204" pitchFamily="34" charset="0"/>
+              <a:buChar char="•"/>
+            </a:pPr>
             <a:r>
               <a:rPr lang="en-US" dirty="0"/>
-              <a:t>This is a powerful tool in public speaking. It involves varying pitch, tone, and volume to convey emotion, emphasize points, and maintain interest.</a:t>
-            </a:r>
-          </a:p>
-          <a:p>
-            <a:pPr lvl="1"/>
+              <a:t>We used Google </a:t>
+            </a:r>
+            <a:r>
+              <a:rPr lang="en-US" dirty="0" err="1"/>
+              <a:t>Colab</a:t>
+            </a:r>
             <a:r>
               <a:rPr lang="en-US" dirty="0"/>
-              <a:t>Pitch variation</a:t>
-            </a:r>
-          </a:p>
-          <a:p>
-            <a:pPr lvl="1"/>
+              <a:t> and wrote </a:t>
+            </a:r>
+            <a:r>
+              <a:rPr lang="en-US" dirty="0" err="1"/>
+              <a:t>Jupyter</a:t>
+            </a:r>
             <a:r>
               <a:rPr lang="en-US" dirty="0"/>
-              <a:t>Tone inflection</a:t>
-            </a:r>
-          </a:p>
-          <a:p>
-            <a:pPr lvl="1"/>
+              <a:t> Notebook files to run our models</a:t>
+            </a:r>
+          </a:p>
+          <a:p>
+            <a:pPr marL="285750" indent="-285750">
+              <a:buFont typeface="Arial" panose="020B0604020202020204" pitchFamily="34" charset="0"/>
+              <a:buChar char="•"/>
+            </a:pPr>
             <a:r>
               <a:rPr lang="en-US" dirty="0"/>
-              <a:t>Volume control</a:t>
-            </a:r>
-          </a:p>
-        </p:txBody>
-      </p:sp>
-      <p:sp>
-        <p:nvSpPr>
-          <p:cNvPr id="4" name="Content Placeholder 3">
-            <a:extLst>
-              <a:ext uri="{FF2B5EF4-FFF2-40B4-BE49-F238E27FC236}">
-                <a16:creationId xmlns:a16="http://schemas.microsoft.com/office/drawing/2014/main" id="{9B774F1A-D233-C240-B22D-F82C6161FAC1}"/>
-              </a:ext>
-            </a:extLst>
-          </p:cNvPr>
-          <p:cNvSpPr>
-            <a:spLocks noGrp="1"/>
-          </p:cNvSpPr>
-          <p:nvPr>
-            <p:ph sz="quarter" idx="36"/>
-          </p:nvPr>
-        </p:nvSpPr>
-        <p:spPr>
-          <a:xfrm>
-            <a:off x="6995159" y="2474811"/>
-            <a:ext cx="4227332" cy="3528397"/>
-          </a:xfrm>
-        </p:spPr>
-        <p:txBody>
-          <a:bodyPr/>
-          <a:lstStyle/>
-          <a:p>
+              <a:t>We tested both logistic regression models and Random Forest models</a:t>
+            </a:r>
+          </a:p>
+          <a:p>
+            <a:pPr marL="285750" indent="-285750">
+              <a:buFont typeface="Arial" panose="020B0604020202020204" pitchFamily="34" charset="0"/>
+              <a:buChar char="•"/>
+            </a:pPr>
             <a:r>
               <a:rPr lang="en-US" dirty="0"/>
-              <a:t>Effective body language enhances your message, making it more impactful and memorable.</a:t>
-            </a:r>
-          </a:p>
-          <a:p>
-            <a:pPr lvl="1"/>
+              <a:t>As we ran more tests, we were able to improve our model’s performance by changing parameters, such as activation functions and number of estimators</a:t>
+            </a:r>
+          </a:p>
+          <a:p>
+            <a:pPr marL="285750" indent="-285750">
+              <a:buFont typeface="Arial" panose="020B0604020202020204" pitchFamily="34" charset="0"/>
+              <a:buChar char="•"/>
+            </a:pPr>
             <a:r>
               <a:rPr lang="en-US" dirty="0"/>
-              <a:t>Meaningful eye contact</a:t>
-            </a:r>
-          </a:p>
-          <a:p>
-            <a:pPr lvl="1"/>
+              <a:t>This led to greater accuracy and recall, which was the primary statistic we were looking at</a:t>
+            </a:r>
+          </a:p>
+          <a:p>
+            <a:pPr marL="569214" lvl="1"/>
             <a:r>
               <a:rPr lang="en-US" dirty="0"/>
-              <a:t>Purposeful gestures</a:t>
-            </a:r>
-          </a:p>
-          <a:p>
-            <a:pPr lvl="1"/>
-            <a:r>
-              <a:rPr lang="en-US" dirty="0"/>
-              <a:t>Maintain good posture</a:t>
-            </a:r>
-          </a:p>
-          <a:p>
-            <a:pPr lvl="1"/>
-            <a:r>
-              <a:rPr lang="en-US" dirty="0"/>
-              <a:t>Control your expressions</a:t>
-            </a:r>
+              <a:t>This is because we wanted our model to correctly predict All-Stars more than just getting who wasn’t an All-Star correct</a:t>
+            </a:r>
+          </a:p>
+          <a:p>
+            <a:endParaRPr lang="en-US" dirty="0"/>
           </a:p>
         </p:txBody>
       </p:sp>
@@ -15262,7 +16785,7 @@
     </p:spTree>
     <p:extLst>
       <p:ext uri="{BB962C8B-B14F-4D97-AF65-F5344CB8AC3E}">
-        <p14:creationId xmlns:p14="http://schemas.microsoft.com/office/powerpoint/2010/main" val="1073601555"/>
+        <p14:creationId xmlns:p14="http://schemas.microsoft.com/office/powerpoint/2010/main" val="550123337"/>
       </p:ext>
     </p:extLst>
   </p:cSld>
@@ -15273,6 +16796,141 @@
 </file>
 
 <file path=ppt/slides/slide8.xml><?xml version="1.0" encoding="utf-8"?>
+<p:sld xmlns:a="http://schemas.openxmlformats.org/drawingml/2006/main" xmlns:r="http://schemas.openxmlformats.org/officeDocument/2006/relationships" xmlns:p="http://schemas.openxmlformats.org/presentationml/2006/main">
+  <p:cSld>
+    <p:spTree>
+      <p:nvGrpSpPr>
+        <p:cNvPr id="1" name=""/>
+        <p:cNvGrpSpPr/>
+        <p:nvPr/>
+      </p:nvGrpSpPr>
+      <p:grpSpPr>
+        <a:xfrm>
+          <a:off x="0" y="0"/>
+          <a:ext cx="0" cy="0"/>
+          <a:chOff x="0" y="0"/>
+          <a:chExt cx="0" cy="0"/>
+        </a:xfrm>
+      </p:grpSpPr>
+      <p:sp>
+        <p:nvSpPr>
+          <p:cNvPr id="2" name="Title 1">
+            <a:extLst>
+              <a:ext uri="{FF2B5EF4-FFF2-40B4-BE49-F238E27FC236}">
+                <a16:creationId xmlns:a16="http://schemas.microsoft.com/office/drawing/2014/main" id="{6CCA29A4-AAFD-04EE-0732-0671E83D5EF1}"/>
+              </a:ext>
+            </a:extLst>
+          </p:cNvPr>
+          <p:cNvSpPr>
+            <a:spLocks noGrp="1"/>
+          </p:cNvSpPr>
+          <p:nvPr>
+            <p:ph type="title"/>
+          </p:nvPr>
+        </p:nvSpPr>
+        <p:spPr>
+          <a:xfrm>
+            <a:off x="2399620" y="162560"/>
+            <a:ext cx="8843050" cy="1616904"/>
+          </a:xfrm>
+        </p:spPr>
+        <p:txBody>
+          <a:bodyPr/>
+          <a:lstStyle/>
+          <a:p>
+            <a:r>
+              <a:rPr lang="en-US" dirty="0"/>
+              <a:t>Creating visualizations</a:t>
+            </a:r>
+          </a:p>
+        </p:txBody>
+      </p:sp>
+      <p:sp>
+        <p:nvSpPr>
+          <p:cNvPr id="3" name="Content Placeholder 2">
+            <a:extLst>
+              <a:ext uri="{FF2B5EF4-FFF2-40B4-BE49-F238E27FC236}">
+                <a16:creationId xmlns:a16="http://schemas.microsoft.com/office/drawing/2014/main" id="{F09FEE91-E849-1CB0-9E51-A58B99C631C5}"/>
+              </a:ext>
+            </a:extLst>
+          </p:cNvPr>
+          <p:cNvSpPr>
+            <a:spLocks noGrp="1"/>
+          </p:cNvSpPr>
+          <p:nvPr>
+            <p:ph sz="quarter" idx="35"/>
+          </p:nvPr>
+        </p:nvSpPr>
+        <p:spPr>
+          <a:xfrm>
+            <a:off x="2373002" y="2474811"/>
+            <a:ext cx="8691238" cy="3528397"/>
+          </a:xfrm>
+        </p:spPr>
+        <p:txBody>
+          <a:bodyPr/>
+          <a:lstStyle/>
+          <a:p>
+            <a:pPr marL="285750" indent="-285750">
+              <a:buFont typeface="Arial" panose="020B0604020202020204" pitchFamily="34" charset="0"/>
+              <a:buChar char="•"/>
+            </a:pPr>
+            <a:r>
+              <a:rPr lang="en-US" dirty="0"/>
+              <a:t>We then created visualizations to show how the model was looking at the datasets when it was learning</a:t>
+            </a:r>
+          </a:p>
+        </p:txBody>
+      </p:sp>
+      <p:sp>
+        <p:nvSpPr>
+          <p:cNvPr id="5" name="Slide Number Placeholder 4">
+            <a:extLst>
+              <a:ext uri="{FF2B5EF4-FFF2-40B4-BE49-F238E27FC236}">
+                <a16:creationId xmlns:a16="http://schemas.microsoft.com/office/drawing/2014/main" id="{23E23533-91C6-420C-B7D7-4977ACF73ACF}"/>
+              </a:ext>
+            </a:extLst>
+          </p:cNvPr>
+          <p:cNvSpPr>
+            <a:spLocks noGrp="1"/>
+          </p:cNvSpPr>
+          <p:nvPr>
+            <p:ph type="sldNum" sz="quarter" idx="12"/>
+          </p:nvPr>
+        </p:nvSpPr>
+        <p:spPr>
+          <a:xfrm>
+            <a:off x="9140971" y="6226198"/>
+            <a:ext cx="2743200" cy="365125"/>
+          </a:xfrm>
+        </p:spPr>
+        <p:txBody>
+          <a:bodyPr/>
+          <a:lstStyle/>
+          <a:p>
+            <a:fld id="{FE024F78-56A6-7740-B68D-8D4D026EDF3F}" type="slidenum">
+              <a:rPr lang="en-US" smtClean="0"/>
+              <a:pPr/>
+              <a:t>8</a:t>
+            </a:fld>
+            <a:endParaRPr lang="en-US" dirty="0"/>
+          </a:p>
+        </p:txBody>
+      </p:sp>
+    </p:spTree>
+    <p:extLst>
+      <p:ext uri="{BB962C8B-B14F-4D97-AF65-F5344CB8AC3E}">
+        <p14:creationId xmlns:p14="http://schemas.microsoft.com/office/powerpoint/2010/main" val="26244265"/>
+      </p:ext>
+    </p:extLst>
+  </p:cSld>
+  <p:clrMapOvr>
+    <a:masterClrMapping/>
+  </p:clrMapOvr>
+</p:sld>
+</file>
+
+<file path=ppt/slides/slide9.xml><?xml version="1.0" encoding="utf-8"?>
 <p:sld xmlns:a="http://schemas.openxmlformats.org/drawingml/2006/main" xmlns:r="http://schemas.openxmlformats.org/officeDocument/2006/relationships" xmlns:p="http://schemas.openxmlformats.org/presentationml/2006/main">
   <p:cSld>
     <p:spTree>
@@ -15317,7 +16975,7 @@
           <a:p>
             <a:r>
               <a:rPr lang="en-US" dirty="0"/>
-              <a:t>NAVIGATING Q&amp;A SESSIONS</a:t>
+              <a:t>Our findings</a:t>
             </a:r>
           </a:p>
         </p:txBody>
@@ -15341,7 +16999,7 @@
         <p:spPr>
           <a:xfrm>
             <a:off x="807038" y="2465539"/>
-            <a:ext cx="3774587" cy="3723753"/>
+            <a:ext cx="9671986" cy="3723753"/>
           </a:xfrm>
         </p:spPr>
         <p:txBody>
@@ -15350,80 +17008,7 @@
           <a:p>
             <a:r>
               <a:rPr lang="en-US" dirty="0"/>
-              <a:t>Know your material in advance</a:t>
-            </a:r>
-          </a:p>
-          <a:p>
-            <a:r>
-              <a:rPr lang="en-US" dirty="0"/>
-              <a:t>Anticipate common questions</a:t>
-            </a:r>
-          </a:p>
-          <a:p>
-            <a:r>
-              <a:rPr lang="en-US" dirty="0"/>
-              <a:t>Rehearse your responses</a:t>
-            </a:r>
-          </a:p>
-        </p:txBody>
-      </p:sp>
-      <p:sp>
-        <p:nvSpPr>
-          <p:cNvPr id="4" name="Content Placeholder 3">
-            <a:extLst>
-              <a:ext uri="{FF2B5EF4-FFF2-40B4-BE49-F238E27FC236}">
-                <a16:creationId xmlns:a16="http://schemas.microsoft.com/office/drawing/2014/main" id="{3770D91C-D5C0-248C-26D3-DE7C7C72E632}"/>
-              </a:ext>
-            </a:extLst>
-          </p:cNvPr>
-          <p:cNvSpPr>
-            <a:spLocks noGrp="1"/>
-          </p:cNvSpPr>
-          <p:nvPr>
-            <p:ph sz="quarter" idx="36"/>
-          </p:nvPr>
-        </p:nvSpPr>
-        <p:spPr>
-          <a:xfrm>
-            <a:off x="4927600" y="2465539"/>
-            <a:ext cx="6315069" cy="3723753"/>
-          </a:xfrm>
-        </p:spPr>
-        <p:txBody>
-          <a:bodyPr/>
-          <a:lstStyle/>
-          <a:p>
-            <a:r>
-              <a:rPr lang="en-US" dirty="0"/>
-              <a:t>Maintaining composure during the Q&amp;A session is essential for projecting confidence and authority. Consider the following tips for staying composed:</a:t>
-            </a:r>
-          </a:p>
-          <a:p>
-            <a:pPr lvl="1"/>
-            <a:r>
-              <a:rPr lang="en-US" dirty="0"/>
-              <a:t>Stay calm</a:t>
-            </a:r>
-          </a:p>
-          <a:p>
-            <a:pPr lvl="1"/>
-            <a:r>
-              <a:rPr lang="en-US" dirty="0"/>
-              <a:t>Actively listen</a:t>
-            </a:r>
-          </a:p>
-          <a:p>
-            <a:pPr lvl="1"/>
-            <a:r>
-              <a:rPr lang="en-US" dirty="0"/>
-              <a:t>Pause and reflect</a:t>
-            </a:r>
-          </a:p>
-          <a:p>
-            <a:pPr lvl="1"/>
-            <a:r>
-              <a:rPr lang="en-US" dirty="0"/>
-              <a:t>Maintain eye contact</a:t>
+              <a:t>We were able to create a model that achieved classification accuracy of over 75% consistently with weighted recall of around 80%</a:t>
             </a:r>
           </a:p>
         </p:txBody>
@@ -15457,7 +17042,7 @@
             <a:fld id="{FE024F78-56A6-7740-B68D-8D4D026EDF3F}" type="slidenum">
               <a:rPr lang="en-US" smtClean="0"/>
               <a:pPr/>
-              <a:t>8</a:t>
+              <a:t>9</a:t>
             </a:fld>
             <a:endParaRPr lang="en-US" dirty="0"/>
           </a:p>
@@ -15467,178 +17052,6 @@
     <p:extLst>
       <p:ext uri="{BB962C8B-B14F-4D97-AF65-F5344CB8AC3E}">
         <p14:creationId xmlns:p14="http://schemas.microsoft.com/office/powerpoint/2010/main" val="2728059627"/>
-      </p:ext>
-    </p:extLst>
-  </p:cSld>
-  <p:clrMapOvr>
-    <a:masterClrMapping/>
-  </p:clrMapOvr>
-</p:sld>
-</file>
-
-<file path=ppt/slides/slide9.xml><?xml version="1.0" encoding="utf-8"?>
-<p:sld xmlns:a="http://schemas.openxmlformats.org/drawingml/2006/main" xmlns:r="http://schemas.openxmlformats.org/officeDocument/2006/relationships" xmlns:p="http://schemas.openxmlformats.org/presentationml/2006/main">
-  <p:cSld>
-    <p:spTree>
-      <p:nvGrpSpPr>
-        <p:cNvPr id="1" name=""/>
-        <p:cNvGrpSpPr/>
-        <p:nvPr/>
-      </p:nvGrpSpPr>
-      <p:grpSpPr>
-        <a:xfrm>
-          <a:off x="0" y="0"/>
-          <a:ext cx="0" cy="0"/>
-          <a:chOff x="0" y="0"/>
-          <a:chExt cx="0" cy="0"/>
-        </a:xfrm>
-      </p:grpSpPr>
-      <p:sp>
-        <p:nvSpPr>
-          <p:cNvPr id="2" name="Title 1">
-            <a:extLst>
-              <a:ext uri="{FF2B5EF4-FFF2-40B4-BE49-F238E27FC236}">
-                <a16:creationId xmlns:a16="http://schemas.microsoft.com/office/drawing/2014/main" id="{D543EB8B-0AB9-7554-AEEA-E8D744959E9A}"/>
-              </a:ext>
-            </a:extLst>
-          </p:cNvPr>
-          <p:cNvSpPr>
-            <a:spLocks noGrp="1"/>
-          </p:cNvSpPr>
-          <p:nvPr>
-            <p:ph type="title"/>
-          </p:nvPr>
-        </p:nvSpPr>
-        <p:spPr>
-          <a:xfrm>
-            <a:off x="6889627" y="173736"/>
-            <a:ext cx="4352662" cy="2203704"/>
-          </a:xfrm>
-        </p:spPr>
-        <p:txBody>
-          <a:bodyPr/>
-          <a:lstStyle/>
-          <a:p>
-            <a:pPr lvl="0"/>
-            <a:r>
-              <a:rPr lang="en-US" noProof="0" dirty="0"/>
-              <a:t>SPEAKING IMPACT</a:t>
-            </a:r>
-          </a:p>
-        </p:txBody>
-      </p:sp>
-      <p:pic>
-        <p:nvPicPr>
-          <p:cNvPr id="6" name="Picture Placeholder 5" descr="A blue and purple spiral">
-            <a:extLst>
-              <a:ext uri="{FF2B5EF4-FFF2-40B4-BE49-F238E27FC236}">
-                <a16:creationId xmlns:a16="http://schemas.microsoft.com/office/drawing/2014/main" id="{05B64636-376E-96D4-B550-D764B2C6A6A7}"/>
-              </a:ext>
-            </a:extLst>
-          </p:cNvPr>
-          <p:cNvPicPr>
-            <a:picLocks noGrp="1" noChangeAspect="1"/>
-          </p:cNvPicPr>
-          <p:nvPr>
-            <p:ph type="pic" sz="quarter" idx="37"/>
-          </p:nvPr>
-        </p:nvPicPr>
-        <p:blipFill rotWithShape="1">
-          <a:blip r:embed="rId3" cstate="screen">
-            <a:extLst>
-              <a:ext uri="{28A0092B-C50C-407E-A947-70E740481C1C}">
-                <a14:useLocalDpi xmlns:a14="http://schemas.microsoft.com/office/drawing/2010/main"/>
-              </a:ext>
-            </a:extLst>
-          </a:blip>
-          <a:srcRect t="202" b="202"/>
-          <a:stretch/>
-        </p:blipFill>
-        <p:spPr>
-          <a:xfrm>
-            <a:off x="336550" y="336550"/>
-            <a:ext cx="5303640" cy="6184900"/>
-          </a:xfrm>
-        </p:spPr>
-      </p:pic>
-      <p:sp>
-        <p:nvSpPr>
-          <p:cNvPr id="3" name="Content Placeholder 2">
-            <a:extLst>
-              <a:ext uri="{FF2B5EF4-FFF2-40B4-BE49-F238E27FC236}">
-                <a16:creationId xmlns:a16="http://schemas.microsoft.com/office/drawing/2014/main" id="{FB2F5F9A-B16D-CA49-7F40-A0142E41DC56}"/>
-              </a:ext>
-            </a:extLst>
-          </p:cNvPr>
-          <p:cNvSpPr>
-            <a:spLocks noGrp="1"/>
-          </p:cNvSpPr>
-          <p:nvPr>
-            <p:ph sz="quarter" idx="36"/>
-          </p:nvPr>
-        </p:nvSpPr>
-        <p:spPr>
-          <a:xfrm>
-            <a:off x="6889627" y="3104277"/>
-            <a:ext cx="4371560" cy="3022201"/>
-          </a:xfrm>
-        </p:spPr>
-        <p:txBody>
-          <a:bodyPr/>
-          <a:lstStyle/>
-          <a:p>
-            <a:r>
-              <a:rPr lang="en-US" dirty="0"/>
-              <a:t>Your ability to communicate effectively will leave a lasting impact on your audience</a:t>
-            </a:r>
-          </a:p>
-          <a:p>
-            <a:r>
-              <a:rPr lang="en-US" dirty="0"/>
-              <a:t>Effectively communicating involves not only delivering a message but also resonating with the experiences, values, and emotions of those listening </a:t>
-            </a:r>
-          </a:p>
-        </p:txBody>
-      </p:sp>
-      <p:sp>
-        <p:nvSpPr>
-          <p:cNvPr id="4" name="Slide Number Placeholder 3">
-            <a:extLst>
-              <a:ext uri="{FF2B5EF4-FFF2-40B4-BE49-F238E27FC236}">
-                <a16:creationId xmlns:a16="http://schemas.microsoft.com/office/drawing/2014/main" id="{921DB868-BEE2-49F7-9AC5-A3B143880250}"/>
-              </a:ext>
-            </a:extLst>
-          </p:cNvPr>
-          <p:cNvSpPr>
-            <a:spLocks noGrp="1"/>
-          </p:cNvSpPr>
-          <p:nvPr>
-            <p:ph type="sldNum" sz="quarter" idx="12"/>
-          </p:nvPr>
-        </p:nvSpPr>
-        <p:spPr>
-          <a:xfrm>
-            <a:off x="9140971" y="6226198"/>
-            <a:ext cx="2743200" cy="365125"/>
-          </a:xfrm>
-        </p:spPr>
-        <p:txBody>
-          <a:bodyPr/>
-          <a:lstStyle/>
-          <a:p>
-            <a:fld id="{FE024F78-56A6-7740-B68D-8D4D026EDF3F}" type="slidenum">
-              <a:rPr lang="en-US" smtClean="0"/>
-              <a:pPr/>
-              <a:t>9</a:t>
-            </a:fld>
-            <a:endParaRPr lang="en-US" dirty="0"/>
-          </a:p>
-        </p:txBody>
-      </p:sp>
-    </p:spTree>
-    <p:extLst>
-      <p:ext uri="{BB962C8B-B14F-4D97-AF65-F5344CB8AC3E}">
-        <p14:creationId xmlns:p14="http://schemas.microsoft.com/office/powerpoint/2010/main" val="910315636"/>
       </p:ext>
     </p:extLst>
   </p:cSld>
